--- a/Documentation/Presentations/Презентация по веб-приложению.pptx
+++ b/Documentation/Presentations/Презентация по веб-приложению.pptx
@@ -11,35 +11,36 @@
     <p:sldId id="275" r:id="rId5"/>
     <p:sldId id="278" r:id="rId6"/>
     <p:sldId id="270" r:id="rId7"/>
-    <p:sldId id="282" r:id="rId8"/>
-    <p:sldId id="283" r:id="rId9"/>
-    <p:sldId id="286" r:id="rId10"/>
-    <p:sldId id="287" r:id="rId11"/>
-    <p:sldId id="284" r:id="rId12"/>
-    <p:sldId id="285" r:id="rId13"/>
-    <p:sldId id="263" r:id="rId14"/>
-    <p:sldId id="262" r:id="rId15"/>
-    <p:sldId id="264" r:id="rId16"/>
-    <p:sldId id="258" r:id="rId17"/>
-    <p:sldId id="259" r:id="rId18"/>
-    <p:sldId id="260" r:id="rId19"/>
-    <p:sldId id="261" r:id="rId20"/>
-    <p:sldId id="265" r:id="rId21"/>
-    <p:sldId id="288" r:id="rId22"/>
-    <p:sldId id="291" r:id="rId23"/>
-    <p:sldId id="299" r:id="rId24"/>
-    <p:sldId id="298" r:id="rId25"/>
-    <p:sldId id="300" r:id="rId26"/>
-    <p:sldId id="293" r:id="rId27"/>
-    <p:sldId id="297" r:id="rId28"/>
-    <p:sldId id="295" r:id="rId29"/>
-    <p:sldId id="294" r:id="rId30"/>
-    <p:sldId id="296" r:id="rId31"/>
-    <p:sldId id="279" r:id="rId32"/>
-    <p:sldId id="280" r:id="rId33"/>
-    <p:sldId id="281" r:id="rId34"/>
-    <p:sldId id="273" r:id="rId35"/>
-    <p:sldId id="289" r:id="rId36"/>
+    <p:sldId id="301" r:id="rId8"/>
+    <p:sldId id="291" r:id="rId9"/>
+    <p:sldId id="282" r:id="rId10"/>
+    <p:sldId id="283" r:id="rId11"/>
+    <p:sldId id="286" r:id="rId12"/>
+    <p:sldId id="287" r:id="rId13"/>
+    <p:sldId id="284" r:id="rId14"/>
+    <p:sldId id="285" r:id="rId15"/>
+    <p:sldId id="263" r:id="rId16"/>
+    <p:sldId id="262" r:id="rId17"/>
+    <p:sldId id="264" r:id="rId18"/>
+    <p:sldId id="258" r:id="rId19"/>
+    <p:sldId id="259" r:id="rId20"/>
+    <p:sldId id="260" r:id="rId21"/>
+    <p:sldId id="261" r:id="rId22"/>
+    <p:sldId id="265" r:id="rId23"/>
+    <p:sldId id="288" r:id="rId24"/>
+    <p:sldId id="299" r:id="rId25"/>
+    <p:sldId id="298" r:id="rId26"/>
+    <p:sldId id="300" r:id="rId27"/>
+    <p:sldId id="293" r:id="rId28"/>
+    <p:sldId id="297" r:id="rId29"/>
+    <p:sldId id="295" r:id="rId30"/>
+    <p:sldId id="294" r:id="rId31"/>
+    <p:sldId id="296" r:id="rId32"/>
+    <p:sldId id="279" r:id="rId33"/>
+    <p:sldId id="280" r:id="rId34"/>
+    <p:sldId id="281" r:id="rId35"/>
+    <p:sldId id="273" r:id="rId36"/>
+    <p:sldId id="289" r:id="rId37"/>
   </p:sldIdLst>
   <p:sldSz cx="12192000" cy="6858000"/>
   <p:notesSz cx="6858000" cy="9144000"/>
@@ -293,7 +294,7 @@
           <a:p>
             <a:fld id="{3970CA7B-E70D-4086-9BBE-9EB0A9DC7FC4}" type="datetimeFigureOut">
               <a:rPr lang="en-US" smtClean="0"/>
-              <a:t>11/10/2021</a:t>
+              <a:t>10/12/2021</a:t>
             </a:fld>
             <a:endParaRPr lang="en-US"/>
           </a:p>
@@ -491,7 +492,7 @@
           <a:p>
             <a:fld id="{3970CA7B-E70D-4086-9BBE-9EB0A9DC7FC4}" type="datetimeFigureOut">
               <a:rPr lang="en-US" smtClean="0"/>
-              <a:t>11/10/2021</a:t>
+              <a:t>10/12/2021</a:t>
             </a:fld>
             <a:endParaRPr lang="en-US"/>
           </a:p>
@@ -699,7 +700,7 @@
           <a:p>
             <a:fld id="{3970CA7B-E70D-4086-9BBE-9EB0A9DC7FC4}" type="datetimeFigureOut">
               <a:rPr lang="en-US" smtClean="0"/>
-              <a:t>11/10/2021</a:t>
+              <a:t>10/12/2021</a:t>
             </a:fld>
             <a:endParaRPr lang="en-US"/>
           </a:p>
@@ -897,7 +898,7 @@
           <a:p>
             <a:fld id="{3970CA7B-E70D-4086-9BBE-9EB0A9DC7FC4}" type="datetimeFigureOut">
               <a:rPr lang="en-US" smtClean="0"/>
-              <a:t>11/10/2021</a:t>
+              <a:t>10/12/2021</a:t>
             </a:fld>
             <a:endParaRPr lang="en-US"/>
           </a:p>
@@ -1172,7 +1173,7 @@
           <a:p>
             <a:fld id="{3970CA7B-E70D-4086-9BBE-9EB0A9DC7FC4}" type="datetimeFigureOut">
               <a:rPr lang="en-US" smtClean="0"/>
-              <a:t>11/10/2021</a:t>
+              <a:t>10/12/2021</a:t>
             </a:fld>
             <a:endParaRPr lang="en-US"/>
           </a:p>
@@ -1437,7 +1438,7 @@
           <a:p>
             <a:fld id="{3970CA7B-E70D-4086-9BBE-9EB0A9DC7FC4}" type="datetimeFigureOut">
               <a:rPr lang="en-US" smtClean="0"/>
-              <a:t>11/10/2021</a:t>
+              <a:t>10/12/2021</a:t>
             </a:fld>
             <a:endParaRPr lang="en-US"/>
           </a:p>
@@ -1849,7 +1850,7 @@
           <a:p>
             <a:fld id="{3970CA7B-E70D-4086-9BBE-9EB0A9DC7FC4}" type="datetimeFigureOut">
               <a:rPr lang="en-US" smtClean="0"/>
-              <a:t>11/10/2021</a:t>
+              <a:t>10/12/2021</a:t>
             </a:fld>
             <a:endParaRPr lang="en-US"/>
           </a:p>
@@ -1990,7 +1991,7 @@
           <a:p>
             <a:fld id="{3970CA7B-E70D-4086-9BBE-9EB0A9DC7FC4}" type="datetimeFigureOut">
               <a:rPr lang="en-US" smtClean="0"/>
-              <a:t>11/10/2021</a:t>
+              <a:t>10/12/2021</a:t>
             </a:fld>
             <a:endParaRPr lang="en-US"/>
           </a:p>
@@ -2103,7 +2104,7 @@
           <a:p>
             <a:fld id="{3970CA7B-E70D-4086-9BBE-9EB0A9DC7FC4}" type="datetimeFigureOut">
               <a:rPr lang="en-US" smtClean="0"/>
-              <a:t>11/10/2021</a:t>
+              <a:t>10/12/2021</a:t>
             </a:fld>
             <a:endParaRPr lang="en-US"/>
           </a:p>
@@ -2414,7 +2415,7 @@
           <a:p>
             <a:fld id="{3970CA7B-E70D-4086-9BBE-9EB0A9DC7FC4}" type="datetimeFigureOut">
               <a:rPr lang="en-US" smtClean="0"/>
-              <a:t>11/10/2021</a:t>
+              <a:t>10/12/2021</a:t>
             </a:fld>
             <a:endParaRPr lang="en-US"/>
           </a:p>
@@ -2702,7 +2703,7 @@
           <a:p>
             <a:fld id="{3970CA7B-E70D-4086-9BBE-9EB0A9DC7FC4}" type="datetimeFigureOut">
               <a:rPr lang="en-US" smtClean="0"/>
-              <a:t>11/10/2021</a:t>
+              <a:t>10/12/2021</a:t>
             </a:fld>
             <a:endParaRPr lang="en-US"/>
           </a:p>
@@ -2943,7 +2944,7 @@
           <a:p>
             <a:fld id="{3970CA7B-E70D-4086-9BBE-9EB0A9DC7FC4}" type="datetimeFigureOut">
               <a:rPr lang="en-US" smtClean="0"/>
-              <a:t>11/10/2021</a:t>
+              <a:t>10/12/2021</a:t>
             </a:fld>
             <a:endParaRPr lang="en-US"/>
           </a:p>
@@ -3539,10 +3540,10 @@
       </p:grpSpPr>
       <p:pic>
         <p:nvPicPr>
-          <p:cNvPr id="3" name="Рисунок 2">
-            <a:extLst>
-              <a:ext uri="{FF2B5EF4-FFF2-40B4-BE49-F238E27FC236}">
-                <a16:creationId xmlns:a16="http://schemas.microsoft.com/office/drawing/2014/main" id="{2EB9FE60-F4E2-4F2E-AEFD-B6275283D0B9}"/>
+          <p:cNvPr id="4" name="Рисунок 3">
+            <a:extLst>
+              <a:ext uri="{FF2B5EF4-FFF2-40B4-BE49-F238E27FC236}">
+                <a16:creationId xmlns:a16="http://schemas.microsoft.com/office/drawing/2014/main" id="{24EF6857-54F6-43DE-8C56-7C87D42DAB75}"/>
               </a:ext>
             </a:extLst>
           </p:cNvPr>
@@ -3551,21 +3552,16 @@
           </p:cNvPicPr>
           <p:nvPr/>
         </p:nvPicPr>
-        <p:blipFill rotWithShape="1">
-          <a:blip r:embed="rId2">
-            <a:extLst>
-              <a:ext uri="{28A0092B-C50C-407E-A947-70E740481C1C}">
-                <a14:useLocalDpi xmlns:a14="http://schemas.microsoft.com/office/drawing/2010/main" val="0"/>
-              </a:ext>
-            </a:extLst>
-          </a:blip>
-          <a:srcRect t="39969" b="-1"/>
-          <a:stretch/>
+        <p:blipFill>
+          <a:blip r:embed="rId2"/>
+          <a:stretch>
+            <a:fillRect/>
+          </a:stretch>
         </p:blipFill>
         <p:spPr>
           <a:xfrm>
-            <a:off x="2610792" y="386015"/>
-            <a:ext cx="6970416" cy="6085969"/>
+            <a:off x="-127520" y="0"/>
+            <a:ext cx="12146265" cy="6858000"/>
           </a:xfrm>
           <a:prstGeom prst="rect">
             <a:avLst/>
@@ -3574,10 +3570,10 @@
       </p:pic>
       <p:sp>
         <p:nvSpPr>
-          <p:cNvPr id="2" name="Прямоугольник: скругленные углы 1">
-            <a:extLst>
-              <a:ext uri="{FF2B5EF4-FFF2-40B4-BE49-F238E27FC236}">
-                <a16:creationId xmlns:a16="http://schemas.microsoft.com/office/drawing/2014/main" id="{F555DFA3-68B3-40D9-8C1A-6A2CB1EBF9E1}"/>
+          <p:cNvPr id="5" name="Rectangle: Rounded Corners 3">
+            <a:extLst>
+              <a:ext uri="{FF2B5EF4-FFF2-40B4-BE49-F238E27FC236}">
+                <a16:creationId xmlns:a16="http://schemas.microsoft.com/office/drawing/2014/main" id="{EF86A53B-6B5F-4E0D-8217-341A6EC7E9F7}"/>
               </a:ext>
             </a:extLst>
           </p:cNvPr>
@@ -3586,38 +3582,15 @@
         </p:nvSpPr>
         <p:spPr>
           <a:xfrm>
-            <a:off x="2512542" y="397328"/>
-            <a:ext cx="7270748" cy="1809244"/>
+            <a:off x="-113211" y="156754"/>
+            <a:ext cx="3814354" cy="566057"/>
           </a:xfrm>
           <a:prstGeom prst="roundRect">
-            <a:avLst>
-              <a:gd name="adj" fmla="val 9823"/>
-            </a:avLst>
-          </a:prstGeom>
-          <a:gradFill>
-            <a:gsLst>
-              <a:gs pos="0">
-                <a:srgbClr val="9AB3DF">
-                  <a:alpha val="0"/>
-                </a:srgbClr>
-              </a:gs>
-              <a:gs pos="29000">
-                <a:srgbClr val="9AB3DF">
-                  <a:alpha val="47000"/>
-                </a:srgbClr>
-              </a:gs>
-              <a:gs pos="100000">
-                <a:schemeClr val="accent1">
-                  <a:lumMod val="100000"/>
-                  <a:alpha val="54000"/>
-                </a:schemeClr>
-              </a:gs>
-            </a:gsLst>
-            <a:lin ang="5400000" scaled="1"/>
-          </a:gradFill>
-          <a:ln>
-            <a:noFill/>
-          </a:ln>
+            <a:avLst/>
+          </a:prstGeom>
+          <a:solidFill>
+            <a:srgbClr val="303030"/>
+          </a:solidFill>
         </p:spPr>
         <p:style>
           <a:lnRef idx="2">
@@ -3640,6 +3613,116 @@
           <a:lstStyle/>
           <a:p>
             <a:pPr algn="ctr"/>
+            <a:endParaRPr lang="en-US"/>
+          </a:p>
+        </p:txBody>
+      </p:sp>
+      <p:sp>
+        <p:nvSpPr>
+          <p:cNvPr id="6" name="TextBox 5">
+            <a:extLst>
+              <a:ext uri="{FF2B5EF4-FFF2-40B4-BE49-F238E27FC236}">
+                <a16:creationId xmlns:a16="http://schemas.microsoft.com/office/drawing/2014/main" id="{33B0AF43-E804-41A8-A483-1CB1E1CCC6CE}"/>
+              </a:ext>
+            </a:extLst>
+          </p:cNvPr>
+          <p:cNvSpPr txBox="1"/>
+          <p:nvPr/>
+        </p:nvSpPr>
+        <p:spPr>
+          <a:xfrm>
+            <a:off x="0" y="205974"/>
+            <a:ext cx="3701143" cy="461665"/>
+          </a:xfrm>
+          <a:prstGeom prst="rect">
+            <a:avLst/>
+          </a:prstGeom>
+          <a:noFill/>
+        </p:spPr>
+        <p:txBody>
+          <a:bodyPr wrap="square" rtlCol="0">
+            <a:spAutoFit/>
+          </a:bodyPr>
+          <a:lstStyle/>
+          <a:p>
+            <a:r>
+              <a:rPr lang="en-US" sz="2400" dirty="0">
+                <a:solidFill>
+                  <a:schemeClr val="bg1">
+                    <a:lumMod val="95000"/>
+                  </a:schemeClr>
+                </a:solidFill>
+                <a:latin typeface="Bahnschrift SemiBold" panose="020B0502040204020203" pitchFamily="34" charset="0"/>
+              </a:rPr>
+              <a:t>UML </a:t>
+            </a:r>
+            <a:r>
+              <a:rPr lang="ru-RU" sz="2400" dirty="0">
+                <a:solidFill>
+                  <a:schemeClr val="bg1">
+                    <a:lumMod val="95000"/>
+                  </a:schemeClr>
+                </a:solidFill>
+                <a:latin typeface="Bahnschrift SemiBold" panose="020B0502040204020203" pitchFamily="34" charset="0"/>
+              </a:rPr>
+              <a:t>диаграмма классов</a:t>
+            </a:r>
+          </a:p>
+        </p:txBody>
+      </p:sp>
+      <p:sp>
+        <p:nvSpPr>
+          <p:cNvPr id="7" name="Овал 6">
+            <a:extLst>
+              <a:ext uri="{FF2B5EF4-FFF2-40B4-BE49-F238E27FC236}">
+                <a16:creationId xmlns:a16="http://schemas.microsoft.com/office/drawing/2014/main" id="{F2242A95-DF7E-4F93-9F1C-AF0F1E008707}"/>
+              </a:ext>
+            </a:extLst>
+          </p:cNvPr>
+          <p:cNvSpPr/>
+          <p:nvPr/>
+        </p:nvSpPr>
+        <p:spPr>
+          <a:xfrm>
+            <a:off x="173255" y="660391"/>
+            <a:ext cx="203209" cy="203209"/>
+          </a:xfrm>
+          <a:prstGeom prst="ellipse">
+            <a:avLst/>
+          </a:prstGeom>
+          <a:solidFill>
+            <a:schemeClr val="tx1">
+              <a:lumMod val="85000"/>
+              <a:lumOff val="15000"/>
+            </a:schemeClr>
+          </a:solidFill>
+          <a:ln w="57150">
+            <a:solidFill>
+              <a:schemeClr val="bg1"/>
+            </a:solidFill>
+          </a:ln>
+        </p:spPr>
+        <p:style>
+          <a:lnRef idx="2">
+            <a:schemeClr val="accent1">
+              <a:shade val="50000"/>
+            </a:schemeClr>
+          </a:lnRef>
+          <a:fillRef idx="1">
+            <a:schemeClr val="accent1"/>
+          </a:fillRef>
+          <a:effectRef idx="0">
+            <a:schemeClr val="accent1"/>
+          </a:effectRef>
+          <a:fontRef idx="minor">
+            <a:schemeClr val="lt1"/>
+          </a:fontRef>
+        </p:style>
+        <p:txBody>
+          <a:bodyPr rtlCol="0" anchor="ctr"/>
+          <a:lstStyle/>
+          <a:p>
+            <a:pPr algn="ctr"/>
             <a:endParaRPr lang="ru-RU"/>
           </a:p>
         </p:txBody>
@@ -3655,13 +3738,14 @@
           </p:cNvPr>
           <p:cNvCxnSpPr>
             <a:cxnSpLocks/>
+            <a:stCxn id="7" idx="4"/>
           </p:cNvCxnSpPr>
           <p:nvPr/>
         </p:nvCxnSpPr>
         <p:spPr>
           <a:xfrm>
-            <a:off x="274860" y="-133350"/>
-            <a:ext cx="0" cy="7217544"/>
+            <a:off x="274860" y="863600"/>
+            <a:ext cx="0" cy="6220594"/>
           </a:xfrm>
           <a:prstGeom prst="line">
             <a:avLst/>
@@ -3690,37 +3774,92 @@
           </a:fontRef>
         </p:style>
       </p:cxnSp>
+      <p:sp>
+        <p:nvSpPr>
+          <p:cNvPr id="9" name="Овал 8">
+            <a:extLst>
+              <a:ext uri="{FF2B5EF4-FFF2-40B4-BE49-F238E27FC236}">
+                <a16:creationId xmlns:a16="http://schemas.microsoft.com/office/drawing/2014/main" id="{B589F033-389F-4D7A-A8EC-201B881DD7F6}"/>
+              </a:ext>
+            </a:extLst>
+          </p:cNvPr>
+          <p:cNvSpPr/>
+          <p:nvPr/>
+        </p:nvSpPr>
+        <p:spPr>
+          <a:xfrm>
+            <a:off x="173255" y="26373"/>
+            <a:ext cx="203209" cy="203209"/>
+          </a:xfrm>
+          <a:prstGeom prst="ellipse">
+            <a:avLst/>
+          </a:prstGeom>
+          <a:solidFill>
+            <a:schemeClr val="tx1">
+              <a:lumMod val="85000"/>
+              <a:lumOff val="15000"/>
+            </a:schemeClr>
+          </a:solidFill>
+          <a:ln w="57150">
+            <a:solidFill>
+              <a:schemeClr val="bg1"/>
+            </a:solidFill>
+          </a:ln>
+        </p:spPr>
+        <p:style>
+          <a:lnRef idx="2">
+            <a:schemeClr val="accent1">
+              <a:shade val="50000"/>
+            </a:schemeClr>
+          </a:lnRef>
+          <a:fillRef idx="1">
+            <a:schemeClr val="accent1"/>
+          </a:fillRef>
+          <a:effectRef idx="0">
+            <a:schemeClr val="accent1"/>
+          </a:effectRef>
+          <a:fontRef idx="minor">
+            <a:schemeClr val="lt1"/>
+          </a:fontRef>
+        </p:style>
+        <p:txBody>
+          <a:bodyPr rtlCol="0" anchor="ctr"/>
+          <a:lstStyle/>
+          <a:p>
+            <a:pPr algn="ctr"/>
+            <a:endParaRPr lang="ru-RU" dirty="0"/>
+          </a:p>
+        </p:txBody>
+      </p:sp>
       <p:cxnSp>
         <p:nvCxnSpPr>
-          <p:cNvPr id="11" name="Прямая соединительная линия 10">
-            <a:extLst>
-              <a:ext uri="{FF2B5EF4-FFF2-40B4-BE49-F238E27FC236}">
-                <a16:creationId xmlns:a16="http://schemas.microsoft.com/office/drawing/2014/main" id="{D43F96FD-C50D-4495-A5C4-A9819E103988}"/>
+          <p:cNvPr id="10" name="Прямая соединительная линия 9">
+            <a:extLst>
+              <a:ext uri="{FF2B5EF4-FFF2-40B4-BE49-F238E27FC236}">
+                <a16:creationId xmlns:a16="http://schemas.microsoft.com/office/drawing/2014/main" id="{C7EECB78-013D-43F9-9DEB-077C2FDECA1A}"/>
               </a:ext>
             </a:extLst>
           </p:cNvPr>
           <p:cNvCxnSpPr>
-            <a:cxnSpLocks/>
+            <a:stCxn id="9" idx="0"/>
           </p:cNvCxnSpPr>
           <p:nvPr/>
         </p:nvCxnSpPr>
         <p:spPr>
-          <a:xfrm>
-            <a:off x="2427933" y="2267105"/>
-            <a:ext cx="7439967" cy="0"/>
+          <a:xfrm flipH="1" flipV="1">
+            <a:off x="274859" y="-163629"/>
+            <a:ext cx="1" cy="190002"/>
           </a:xfrm>
           <a:prstGeom prst="line">
             <a:avLst/>
           </a:prstGeom>
-          <a:ln w="50800" cap="rnd">
+          <a:ln w="15875">
             <a:solidFill>
               <a:schemeClr val="tx1">
                 <a:lumMod val="85000"/>
                 <a:lumOff val="15000"/>
               </a:schemeClr>
             </a:solidFill>
-            <a:prstDash val="sysDot"/>
-            <a:round/>
           </a:ln>
         </p:spPr>
         <p:style>
@@ -3741,7 +3880,7 @@
     </p:spTree>
     <p:extLst>
       <p:ext uri="{BB962C8B-B14F-4D97-AF65-F5344CB8AC3E}">
-        <p14:creationId xmlns:p14="http://schemas.microsoft.com/office/powerpoint/2010/main" val="3911189870"/>
+        <p14:creationId xmlns:p14="http://schemas.microsoft.com/office/powerpoint/2010/main" val="3513973005"/>
       </p:ext>
     </p:extLst>
   </p:cSld>
@@ -3768,34 +3907,6 @@
           <a:chExt cx="0" cy="0"/>
         </a:xfrm>
       </p:grpSpPr>
-      <p:pic>
-        <p:nvPicPr>
-          <p:cNvPr id="12" name="Рисунок 11">
-            <a:extLst>
-              <a:ext uri="{FF2B5EF4-FFF2-40B4-BE49-F238E27FC236}">
-                <a16:creationId xmlns:a16="http://schemas.microsoft.com/office/drawing/2014/main" id="{1F59BE09-D6F8-4E52-B947-AC94DAF76361}"/>
-              </a:ext>
-            </a:extLst>
-          </p:cNvPr>
-          <p:cNvPicPr/>
-          <p:nvPr/>
-        </p:nvPicPr>
-        <p:blipFill>
-          <a:blip r:embed="rId2"/>
-          <a:stretch>
-            <a:fillRect/>
-          </a:stretch>
-        </p:blipFill>
-        <p:spPr>
-          <a:xfrm>
-            <a:off x="2740301" y="26373"/>
-            <a:ext cx="8999855" cy="6858000"/>
-          </a:xfrm>
-          <a:prstGeom prst="rect">
-            <a:avLst/>
-          </a:prstGeom>
-        </p:spPr>
-      </p:pic>
       <p:sp>
         <p:nvSpPr>
           <p:cNvPr id="5" name="Rectangle: Rounded Corners 3">
@@ -3810,8 +3921,8 @@
         </p:nvSpPr>
         <p:spPr>
           <a:xfrm>
-            <a:off x="-113211" y="156754"/>
-            <a:ext cx="2812865" cy="566057"/>
+            <a:off x="-113212" y="156754"/>
+            <a:ext cx="4711325" cy="566057"/>
           </a:xfrm>
           <a:prstGeom prst="roundRect">
             <a:avLst/>
@@ -3860,7 +3971,7 @@
         <p:spPr>
           <a:xfrm>
             <a:off x="0" y="205974"/>
-            <a:ext cx="2638697" cy="461665"/>
+            <a:ext cx="4711337" cy="461665"/>
           </a:xfrm>
           <a:prstGeom prst="rect">
             <a:avLst/>
@@ -3882,7 +3993,7 @@
                 </a:solidFill>
                 <a:latin typeface="Bahnschrift SemiBold" panose="020B0502040204020203" pitchFamily="34" charset="0"/>
               </a:rPr>
-              <a:t>IDEF0 </a:t>
+              <a:t>UML </a:t>
             </a:r>
             <a:r>
               <a:rPr lang="ru-RU" sz="2400" dirty="0">
@@ -3893,7 +4004,7 @@
                 </a:solidFill>
                 <a:latin typeface="Bahnschrift SemiBold" panose="020B0502040204020203" pitchFamily="34" charset="0"/>
               </a:rPr>
-              <a:t>диаграмма</a:t>
+              <a:t>диаграмма деятельности</a:t>
             </a:r>
           </a:p>
         </p:txBody>
@@ -4105,10 +4216,165 @@
           </a:fontRef>
         </p:style>
       </p:cxnSp>
+      <p:pic>
+        <p:nvPicPr>
+          <p:cNvPr id="3" name="Рисунок 2">
+            <a:extLst>
+              <a:ext uri="{FF2B5EF4-FFF2-40B4-BE49-F238E27FC236}">
+                <a16:creationId xmlns:a16="http://schemas.microsoft.com/office/drawing/2014/main" id="{2EB9FE60-F4E2-4F2E-AEFD-B6275283D0B9}"/>
+              </a:ext>
+            </a:extLst>
+          </p:cNvPr>
+          <p:cNvPicPr>
+            <a:picLocks noChangeAspect="1"/>
+          </p:cNvPicPr>
+          <p:nvPr/>
+        </p:nvPicPr>
+        <p:blipFill rotWithShape="1">
+          <a:blip r:embed="rId2">
+            <a:extLst>
+              <a:ext uri="{28A0092B-C50C-407E-A947-70E740481C1C}">
+                <a14:useLocalDpi xmlns:a14="http://schemas.microsoft.com/office/drawing/2010/main" val="0"/>
+              </a:ext>
+            </a:extLst>
+          </a:blip>
+          <a:srcRect b="38640"/>
+          <a:stretch/>
+        </p:blipFill>
+        <p:spPr>
+          <a:xfrm>
+            <a:off x="2610792" y="761996"/>
+            <a:ext cx="6970416" cy="6220594"/>
+          </a:xfrm>
+          <a:prstGeom prst="rect">
+            <a:avLst/>
+          </a:prstGeom>
+        </p:spPr>
+      </p:pic>
+      <p:cxnSp>
+        <p:nvCxnSpPr>
+          <p:cNvPr id="11" name="Прямая соединительная линия 10">
+            <a:extLst>
+              <a:ext uri="{FF2B5EF4-FFF2-40B4-BE49-F238E27FC236}">
+                <a16:creationId xmlns:a16="http://schemas.microsoft.com/office/drawing/2014/main" id="{935D63A1-77AA-4F48-922A-36DA3269B45E}"/>
+              </a:ext>
+            </a:extLst>
+          </p:cNvPr>
+          <p:cNvCxnSpPr>
+            <a:cxnSpLocks/>
+          </p:cNvCxnSpPr>
+          <p:nvPr/>
+        </p:nvCxnSpPr>
+        <p:spPr>
+          <a:xfrm>
+            <a:off x="2427933" y="6668317"/>
+            <a:ext cx="7439967" cy="0"/>
+          </a:xfrm>
+          <a:prstGeom prst="line">
+            <a:avLst/>
+          </a:prstGeom>
+          <a:ln w="50800" cap="rnd">
+            <a:solidFill>
+              <a:schemeClr val="tx1">
+                <a:lumMod val="85000"/>
+                <a:lumOff val="15000"/>
+              </a:schemeClr>
+            </a:solidFill>
+            <a:prstDash val="sysDot"/>
+            <a:round/>
+          </a:ln>
+        </p:spPr>
+        <p:style>
+          <a:lnRef idx="1">
+            <a:schemeClr val="accent1"/>
+          </a:lnRef>
+          <a:fillRef idx="0">
+            <a:schemeClr val="accent1"/>
+          </a:fillRef>
+          <a:effectRef idx="0">
+            <a:schemeClr val="accent1"/>
+          </a:effectRef>
+          <a:fontRef idx="minor">
+            <a:schemeClr val="tx1"/>
+          </a:fontRef>
+        </p:style>
+      </p:cxnSp>
+      <p:sp>
+        <p:nvSpPr>
+          <p:cNvPr id="14" name="Прямоугольник: скругленные углы 13">
+            <a:extLst>
+              <a:ext uri="{FF2B5EF4-FFF2-40B4-BE49-F238E27FC236}">
+                <a16:creationId xmlns:a16="http://schemas.microsoft.com/office/drawing/2014/main" id="{9B52398A-3224-4D34-B7A0-4072CA7C4144}"/>
+              </a:ext>
+            </a:extLst>
+          </p:cNvPr>
+          <p:cNvSpPr/>
+          <p:nvPr/>
+        </p:nvSpPr>
+        <p:spPr>
+          <a:xfrm>
+            <a:off x="2512542" y="6701246"/>
+            <a:ext cx="7270748" cy="1809244"/>
+          </a:xfrm>
+          <a:prstGeom prst="roundRect">
+            <a:avLst>
+              <a:gd name="adj" fmla="val 9823"/>
+            </a:avLst>
+          </a:prstGeom>
+          <a:gradFill>
+            <a:gsLst>
+              <a:gs pos="0">
+                <a:srgbClr val="9AB3DF">
+                  <a:alpha val="0"/>
+                </a:srgbClr>
+              </a:gs>
+              <a:gs pos="29000">
+                <a:srgbClr val="9AB3DF">
+                  <a:alpha val="47000"/>
+                </a:srgbClr>
+              </a:gs>
+              <a:gs pos="100000">
+                <a:schemeClr val="accent1">
+                  <a:lumMod val="100000"/>
+                  <a:alpha val="54000"/>
+                </a:schemeClr>
+              </a:gs>
+            </a:gsLst>
+            <a:lin ang="16740000" scaled="0"/>
+          </a:gradFill>
+          <a:ln>
+            <a:noFill/>
+          </a:ln>
+        </p:spPr>
+        <p:style>
+          <a:lnRef idx="2">
+            <a:schemeClr val="accent1">
+              <a:shade val="50000"/>
+            </a:schemeClr>
+          </a:lnRef>
+          <a:fillRef idx="1">
+            <a:schemeClr val="accent1"/>
+          </a:fillRef>
+          <a:effectRef idx="0">
+            <a:schemeClr val="accent1"/>
+          </a:effectRef>
+          <a:fontRef idx="minor">
+            <a:schemeClr val="lt1"/>
+          </a:fontRef>
+        </p:style>
+        <p:txBody>
+          <a:bodyPr rtlCol="0" anchor="ctr"/>
+          <a:lstStyle/>
+          <a:p>
+            <a:pPr algn="ctr"/>
+            <a:endParaRPr lang="ru-RU"/>
+          </a:p>
+        </p:txBody>
+      </p:sp>
     </p:spTree>
     <p:extLst>
       <p:ext uri="{BB962C8B-B14F-4D97-AF65-F5344CB8AC3E}">
-        <p14:creationId xmlns:p14="http://schemas.microsoft.com/office/powerpoint/2010/main" val="1074898735"/>
+        <p14:creationId xmlns:p14="http://schemas.microsoft.com/office/powerpoint/2010/main" val="40513110"/>
       </p:ext>
     </p:extLst>
   </p:cSld>
@@ -4135,6 +4401,113 @@
           <a:chExt cx="0" cy="0"/>
         </a:xfrm>
       </p:grpSpPr>
+      <p:pic>
+        <p:nvPicPr>
+          <p:cNvPr id="3" name="Рисунок 2">
+            <a:extLst>
+              <a:ext uri="{FF2B5EF4-FFF2-40B4-BE49-F238E27FC236}">
+                <a16:creationId xmlns:a16="http://schemas.microsoft.com/office/drawing/2014/main" id="{2EB9FE60-F4E2-4F2E-AEFD-B6275283D0B9}"/>
+              </a:ext>
+            </a:extLst>
+          </p:cNvPr>
+          <p:cNvPicPr>
+            <a:picLocks noChangeAspect="1"/>
+          </p:cNvPicPr>
+          <p:nvPr/>
+        </p:nvPicPr>
+        <p:blipFill rotWithShape="1">
+          <a:blip r:embed="rId2">
+            <a:extLst>
+              <a:ext uri="{28A0092B-C50C-407E-A947-70E740481C1C}">
+                <a14:useLocalDpi xmlns:a14="http://schemas.microsoft.com/office/drawing/2010/main" val="0"/>
+              </a:ext>
+            </a:extLst>
+          </a:blip>
+          <a:srcRect t="39969" b="-1"/>
+          <a:stretch/>
+        </p:blipFill>
+        <p:spPr>
+          <a:xfrm>
+            <a:off x="2610792" y="386015"/>
+            <a:ext cx="6970416" cy="6085969"/>
+          </a:xfrm>
+          <a:prstGeom prst="rect">
+            <a:avLst/>
+          </a:prstGeom>
+        </p:spPr>
+      </p:pic>
+      <p:sp>
+        <p:nvSpPr>
+          <p:cNvPr id="2" name="Прямоугольник: скругленные углы 1">
+            <a:extLst>
+              <a:ext uri="{FF2B5EF4-FFF2-40B4-BE49-F238E27FC236}">
+                <a16:creationId xmlns:a16="http://schemas.microsoft.com/office/drawing/2014/main" id="{F555DFA3-68B3-40D9-8C1A-6A2CB1EBF9E1}"/>
+              </a:ext>
+            </a:extLst>
+          </p:cNvPr>
+          <p:cNvSpPr/>
+          <p:nvPr/>
+        </p:nvSpPr>
+        <p:spPr>
+          <a:xfrm>
+            <a:off x="2512542" y="397328"/>
+            <a:ext cx="7270748" cy="1809244"/>
+          </a:xfrm>
+          <a:prstGeom prst="roundRect">
+            <a:avLst>
+              <a:gd name="adj" fmla="val 9823"/>
+            </a:avLst>
+          </a:prstGeom>
+          <a:gradFill>
+            <a:gsLst>
+              <a:gs pos="0">
+                <a:srgbClr val="9AB3DF">
+                  <a:alpha val="0"/>
+                </a:srgbClr>
+              </a:gs>
+              <a:gs pos="29000">
+                <a:srgbClr val="9AB3DF">
+                  <a:alpha val="47000"/>
+                </a:srgbClr>
+              </a:gs>
+              <a:gs pos="100000">
+                <a:schemeClr val="accent1">
+                  <a:lumMod val="100000"/>
+                  <a:alpha val="54000"/>
+                </a:schemeClr>
+              </a:gs>
+            </a:gsLst>
+            <a:lin ang="5400000" scaled="1"/>
+          </a:gradFill>
+          <a:ln>
+            <a:noFill/>
+          </a:ln>
+        </p:spPr>
+        <p:style>
+          <a:lnRef idx="2">
+            <a:schemeClr val="accent1">
+              <a:shade val="50000"/>
+            </a:schemeClr>
+          </a:lnRef>
+          <a:fillRef idx="1">
+            <a:schemeClr val="accent1"/>
+          </a:fillRef>
+          <a:effectRef idx="0">
+            <a:schemeClr val="accent1"/>
+          </a:effectRef>
+          <a:fontRef idx="minor">
+            <a:schemeClr val="lt1"/>
+          </a:fontRef>
+        </p:style>
+        <p:txBody>
+          <a:bodyPr rtlCol="0" anchor="ctr"/>
+          <a:lstStyle/>
+          <a:p>
+            <a:pPr algn="ctr"/>
+            <a:endParaRPr lang="ru-RU"/>
+          </a:p>
+        </p:txBody>
+      </p:sp>
       <p:cxnSp>
         <p:nvCxnSpPr>
           <p:cNvPr id="8" name="Прямая соединительная линия 7">
@@ -4151,8 +4524,8 @@
         </p:nvCxnSpPr>
         <p:spPr>
           <a:xfrm>
-            <a:off x="274859" y="0"/>
-            <a:ext cx="1" cy="7084194"/>
+            <a:off x="274860" y="-133350"/>
+            <a:ext cx="0" cy="7217544"/>
           </a:xfrm>
           <a:prstGeom prst="line">
             <a:avLst/>
@@ -4183,10 +4556,10 @@
       </p:cxnSp>
       <p:cxnSp>
         <p:nvCxnSpPr>
-          <p:cNvPr id="10" name="Прямая соединительная линия 9">
-            <a:extLst>
-              <a:ext uri="{FF2B5EF4-FFF2-40B4-BE49-F238E27FC236}">
-                <a16:creationId xmlns:a16="http://schemas.microsoft.com/office/drawing/2014/main" id="{C7EECB78-013D-43F9-9DEB-077C2FDECA1A}"/>
+          <p:cNvPr id="11" name="Прямая соединительная линия 10">
+            <a:extLst>
+              <a:ext uri="{FF2B5EF4-FFF2-40B4-BE49-F238E27FC236}">
+                <a16:creationId xmlns:a16="http://schemas.microsoft.com/office/drawing/2014/main" id="{D43F96FD-C50D-4495-A5C4-A9819E103988}"/>
               </a:ext>
             </a:extLst>
           </p:cNvPr>
@@ -4196,20 +4569,22 @@
           <p:nvPr/>
         </p:nvCxnSpPr>
         <p:spPr>
-          <a:xfrm flipH="1" flipV="1">
-            <a:off x="274859" y="-163629"/>
-            <a:ext cx="1" cy="190002"/>
+          <a:xfrm>
+            <a:off x="2427933" y="2267105"/>
+            <a:ext cx="7439967" cy="0"/>
           </a:xfrm>
           <a:prstGeom prst="line">
             <a:avLst/>
           </a:prstGeom>
-          <a:ln w="15875">
+          <a:ln w="50800" cap="rnd">
             <a:solidFill>
               <a:schemeClr val="tx1">
                 <a:lumMod val="85000"/>
                 <a:lumOff val="15000"/>
               </a:schemeClr>
             </a:solidFill>
+            <a:prstDash val="sysDot"/>
+            <a:round/>
           </a:ln>
         </p:spPr>
         <p:style>
@@ -4227,38 +4602,10 @@
           </a:fontRef>
         </p:style>
       </p:cxnSp>
-      <p:pic>
-        <p:nvPicPr>
-          <p:cNvPr id="5" name="Рисунок 4">
-            <a:extLst>
-              <a:ext uri="{FF2B5EF4-FFF2-40B4-BE49-F238E27FC236}">
-                <a16:creationId xmlns:a16="http://schemas.microsoft.com/office/drawing/2014/main" id="{037E0568-6622-4B22-B155-5DCD96F06FDC}"/>
-              </a:ext>
-            </a:extLst>
-          </p:cNvPr>
-          <p:cNvPicPr/>
-          <p:nvPr/>
-        </p:nvPicPr>
-        <p:blipFill>
-          <a:blip r:embed="rId2"/>
-          <a:stretch>
-            <a:fillRect/>
-          </a:stretch>
-        </p:blipFill>
-        <p:spPr>
-          <a:xfrm>
-            <a:off x="2735221" y="26373"/>
-            <a:ext cx="9004935" cy="6858000"/>
-          </a:xfrm>
-          <a:prstGeom prst="rect">
-            <a:avLst/>
-          </a:prstGeom>
-        </p:spPr>
-      </p:pic>
     </p:spTree>
     <p:extLst>
       <p:ext uri="{BB962C8B-B14F-4D97-AF65-F5344CB8AC3E}">
-        <p14:creationId xmlns:p14="http://schemas.microsoft.com/office/powerpoint/2010/main" val="3405178719"/>
+        <p14:creationId xmlns:p14="http://schemas.microsoft.com/office/powerpoint/2010/main" val="3911189870"/>
       </p:ext>
     </p:extLst>
   </p:cSld>
@@ -4287,34 +4634,26 @@
       </p:grpSpPr>
       <p:pic>
         <p:nvPicPr>
-          <p:cNvPr id="3" name="Picture 2">
-            <a:extLst>
-              <a:ext uri="{FF2B5EF4-FFF2-40B4-BE49-F238E27FC236}">
-                <a16:creationId xmlns:a16="http://schemas.microsoft.com/office/drawing/2014/main" id="{4E3C250E-D074-4A02-891A-2719D4E4913F}"/>
-              </a:ext>
-            </a:extLst>
-          </p:cNvPr>
-          <p:cNvPicPr>
-            <a:picLocks noChangeAspect="1"/>
-          </p:cNvPicPr>
+          <p:cNvPr id="12" name="Рисунок 11">
+            <a:extLst>
+              <a:ext uri="{FF2B5EF4-FFF2-40B4-BE49-F238E27FC236}">
+                <a16:creationId xmlns:a16="http://schemas.microsoft.com/office/drawing/2014/main" id="{1F59BE09-D6F8-4E52-B947-AC94DAF76361}"/>
+              </a:ext>
+            </a:extLst>
+          </p:cNvPr>
+          <p:cNvPicPr/>
           <p:nvPr/>
         </p:nvPicPr>
         <p:blipFill>
-          <a:blip r:embed="rId2">
-            <a:extLst>
-              <a:ext uri="{28A0092B-C50C-407E-A947-70E740481C1C}">
-                <a14:useLocalDpi xmlns:a14="http://schemas.microsoft.com/office/drawing/2010/main" val="0"/>
-              </a:ext>
-            </a:extLst>
-          </a:blip>
+          <a:blip r:embed="rId2"/>
           <a:stretch>
             <a:fillRect/>
           </a:stretch>
         </p:blipFill>
         <p:spPr>
           <a:xfrm>
-            <a:off x="2667000" y="0"/>
-            <a:ext cx="6858000" cy="6858000"/>
+            <a:off x="2740301" y="26373"/>
+            <a:ext cx="8999855" cy="6858000"/>
           </a:xfrm>
           <a:prstGeom prst="rect">
             <a:avLst/>
@@ -4323,56 +4662,10 @@
       </p:pic>
       <p:sp>
         <p:nvSpPr>
-          <p:cNvPr id="5" name="TextBox 4">
-            <a:extLst>
-              <a:ext uri="{FF2B5EF4-FFF2-40B4-BE49-F238E27FC236}">
-                <a16:creationId xmlns:a16="http://schemas.microsoft.com/office/drawing/2014/main" id="{5B75EEDF-1435-4764-A888-BB19C7ECECB8}"/>
-              </a:ext>
-            </a:extLst>
-          </p:cNvPr>
-          <p:cNvSpPr txBox="1"/>
-          <p:nvPr/>
-        </p:nvSpPr>
-        <p:spPr>
-          <a:xfrm>
-            <a:off x="118221" y="239727"/>
-            <a:ext cx="2776722" cy="400110"/>
-          </a:xfrm>
-          <a:prstGeom prst="rect">
-            <a:avLst/>
-          </a:prstGeom>
-          <a:noFill/>
-        </p:spPr>
-        <p:txBody>
-          <a:bodyPr wrap="none" rtlCol="0">
-            <a:spAutoFit/>
-          </a:bodyPr>
-          <a:lstStyle/>
-          <a:p>
-            <a:r>
-              <a:rPr lang="ru-RU" sz="2000" b="1" dirty="0">
-                <a:solidFill>
-                  <a:srgbClr val="FFFFFF"/>
-                </a:solidFill>
-                <a:latin typeface="Nunito" pitchFamily="2" charset="-52"/>
-              </a:rPr>
-              <a:t>Раздел авторизации</a:t>
-            </a:r>
-            <a:endParaRPr lang="en-US" sz="2000" b="1" dirty="0">
-              <a:solidFill>
-                <a:srgbClr val="FFFFFF"/>
-              </a:solidFill>
-              <a:latin typeface="Nunito" pitchFamily="2" charset="-52"/>
-            </a:endParaRPr>
-          </a:p>
-        </p:txBody>
-      </p:sp>
-      <p:sp>
-        <p:nvSpPr>
-          <p:cNvPr id="11" name="Rectangle: Rounded Corners 3">
-            <a:extLst>
-              <a:ext uri="{FF2B5EF4-FFF2-40B4-BE49-F238E27FC236}">
-                <a16:creationId xmlns:a16="http://schemas.microsoft.com/office/drawing/2014/main" id="{E06E3CA5-E8B4-4C85-9FEF-4E36573A2206}"/>
+          <p:cNvPr id="5" name="Rectangle: Rounded Corners 3">
+            <a:extLst>
+              <a:ext uri="{FF2B5EF4-FFF2-40B4-BE49-F238E27FC236}">
+                <a16:creationId xmlns:a16="http://schemas.microsoft.com/office/drawing/2014/main" id="{EF86A53B-6B5F-4E0D-8217-341A6EC7E9F7}"/>
               </a:ext>
             </a:extLst>
           </p:cNvPr>
@@ -4381,8 +4674,8 @@
         </p:nvSpPr>
         <p:spPr>
           <a:xfrm>
-            <a:off x="-113210" y="156754"/>
-            <a:ext cx="3135544" cy="566057"/>
+            <a:off x="-113211" y="156754"/>
+            <a:ext cx="2812865" cy="566057"/>
           </a:xfrm>
           <a:prstGeom prst="roundRect">
             <a:avLst/>
@@ -4418,10 +4711,10 @@
       </p:sp>
       <p:sp>
         <p:nvSpPr>
-          <p:cNvPr id="12" name="TextBox 11">
-            <a:extLst>
-              <a:ext uri="{FF2B5EF4-FFF2-40B4-BE49-F238E27FC236}">
-                <a16:creationId xmlns:a16="http://schemas.microsoft.com/office/drawing/2014/main" id="{545940FF-32E2-456E-A6B3-BBA30AE2BD17}"/>
+          <p:cNvPr id="6" name="TextBox 5">
+            <a:extLst>
+              <a:ext uri="{FF2B5EF4-FFF2-40B4-BE49-F238E27FC236}">
+                <a16:creationId xmlns:a16="http://schemas.microsoft.com/office/drawing/2014/main" id="{33B0AF43-E804-41A8-A483-1CB1E1CCC6CE}"/>
               </a:ext>
             </a:extLst>
           </p:cNvPr>
@@ -4431,7 +4724,7 @@
         <p:spPr>
           <a:xfrm>
             <a:off x="0" y="205974"/>
-            <a:ext cx="2931081" cy="461665"/>
+            <a:ext cx="2638697" cy="461665"/>
           </a:xfrm>
           <a:prstGeom prst="rect">
             <a:avLst/>
@@ -4444,6 +4737,17 @@
           </a:bodyPr>
           <a:lstStyle/>
           <a:p>
+            <a:r>
+              <a:rPr lang="en-US" sz="2400" dirty="0">
+                <a:solidFill>
+                  <a:schemeClr val="bg1">
+                    <a:lumMod val="95000"/>
+                  </a:schemeClr>
+                </a:solidFill>
+                <a:latin typeface="Bahnschrift SemiBold" panose="020B0502040204020203" pitchFamily="34" charset="0"/>
+              </a:rPr>
+              <a:t>IDEF0 </a:t>
+            </a:r>
             <a:r>
               <a:rPr lang="ru-RU" sz="2400" dirty="0">
                 <a:solidFill>
@@ -4453,17 +4757,17 @@
                 </a:solidFill>
                 <a:latin typeface="Bahnschrift SemiBold" panose="020B0502040204020203" pitchFamily="34" charset="0"/>
               </a:rPr>
-              <a:t>Окно авторизации</a:t>
+              <a:t>диаграмма</a:t>
             </a:r>
           </a:p>
         </p:txBody>
       </p:sp>
       <p:sp>
         <p:nvSpPr>
-          <p:cNvPr id="13" name="Овал 12">
-            <a:extLst>
-              <a:ext uri="{FF2B5EF4-FFF2-40B4-BE49-F238E27FC236}">
-                <a16:creationId xmlns:a16="http://schemas.microsoft.com/office/drawing/2014/main" id="{BF4BE1D1-314E-477A-990A-3A71B2E33D43}"/>
+          <p:cNvPr id="7" name="Овал 6">
+            <a:extLst>
+              <a:ext uri="{FF2B5EF4-FFF2-40B4-BE49-F238E27FC236}">
+                <a16:creationId xmlns:a16="http://schemas.microsoft.com/office/drawing/2014/main" id="{F2242A95-DF7E-4F93-9F1C-AF0F1E008707}"/>
               </a:ext>
             </a:extLst>
           </p:cNvPr>
@@ -4517,16 +4821,16 @@
       </p:sp>
       <p:cxnSp>
         <p:nvCxnSpPr>
-          <p:cNvPr id="14" name="Прямая соединительная линия 13">
-            <a:extLst>
-              <a:ext uri="{FF2B5EF4-FFF2-40B4-BE49-F238E27FC236}">
-                <a16:creationId xmlns:a16="http://schemas.microsoft.com/office/drawing/2014/main" id="{0627B5E9-B69A-455B-8136-32260027C8B9}"/>
+          <p:cNvPr id="8" name="Прямая соединительная линия 7">
+            <a:extLst>
+              <a:ext uri="{FF2B5EF4-FFF2-40B4-BE49-F238E27FC236}">
+                <a16:creationId xmlns:a16="http://schemas.microsoft.com/office/drawing/2014/main" id="{2B147433-66CE-41AE-936A-04599C246104}"/>
               </a:ext>
             </a:extLst>
           </p:cNvPr>
           <p:cNvCxnSpPr>
             <a:cxnSpLocks/>
-            <a:stCxn id="13" idx="4"/>
+            <a:stCxn id="7" idx="4"/>
           </p:cNvCxnSpPr>
           <p:nvPr/>
         </p:nvCxnSpPr>
@@ -4562,56 +4866,12 @@
           </a:fontRef>
         </p:style>
       </p:cxnSp>
-      <p:cxnSp>
-        <p:nvCxnSpPr>
-          <p:cNvPr id="15" name="Прямая соединительная линия 14">
-            <a:extLst>
-              <a:ext uri="{FF2B5EF4-FFF2-40B4-BE49-F238E27FC236}">
-                <a16:creationId xmlns:a16="http://schemas.microsoft.com/office/drawing/2014/main" id="{041C562E-5309-455A-A6CE-068B9EF936A4}"/>
-              </a:ext>
-            </a:extLst>
-          </p:cNvPr>
-          <p:cNvCxnSpPr/>
-          <p:nvPr/>
-        </p:nvCxnSpPr>
-        <p:spPr>
-          <a:xfrm flipH="1" flipV="1">
-            <a:off x="274859" y="-163629"/>
-            <a:ext cx="1" cy="190002"/>
-          </a:xfrm>
-          <a:prstGeom prst="line">
-            <a:avLst/>
-          </a:prstGeom>
-          <a:ln w="15875">
-            <a:solidFill>
-              <a:schemeClr val="tx1">
-                <a:lumMod val="85000"/>
-                <a:lumOff val="15000"/>
-              </a:schemeClr>
-            </a:solidFill>
-          </a:ln>
-        </p:spPr>
-        <p:style>
-          <a:lnRef idx="1">
-            <a:schemeClr val="accent1"/>
-          </a:lnRef>
-          <a:fillRef idx="0">
-            <a:schemeClr val="accent1"/>
-          </a:fillRef>
-          <a:effectRef idx="0">
-            <a:schemeClr val="accent1"/>
-          </a:effectRef>
-          <a:fontRef idx="minor">
-            <a:schemeClr val="tx1"/>
-          </a:fontRef>
-        </p:style>
-      </p:cxnSp>
-      <p:sp>
-        <p:nvSpPr>
-          <p:cNvPr id="31" name="Овал 30">
-            <a:extLst>
-              <a:ext uri="{FF2B5EF4-FFF2-40B4-BE49-F238E27FC236}">
-                <a16:creationId xmlns:a16="http://schemas.microsoft.com/office/drawing/2014/main" id="{2E5D762B-091A-4ACC-976C-FBC7D4B816A2}"/>
+      <p:sp>
+        <p:nvSpPr>
+          <p:cNvPr id="9" name="Овал 8">
+            <a:extLst>
+              <a:ext uri="{FF2B5EF4-FFF2-40B4-BE49-F238E27FC236}">
+                <a16:creationId xmlns:a16="http://schemas.microsoft.com/office/drawing/2014/main" id="{B589F033-389F-4D7A-A8EC-201B881DD7F6}"/>
               </a:ext>
             </a:extLst>
           </p:cNvPr>
@@ -4663,10 +4923,56 @@
           </a:p>
         </p:txBody>
       </p:sp>
+      <p:cxnSp>
+        <p:nvCxnSpPr>
+          <p:cNvPr id="10" name="Прямая соединительная линия 9">
+            <a:extLst>
+              <a:ext uri="{FF2B5EF4-FFF2-40B4-BE49-F238E27FC236}">
+                <a16:creationId xmlns:a16="http://schemas.microsoft.com/office/drawing/2014/main" id="{C7EECB78-013D-43F9-9DEB-077C2FDECA1A}"/>
+              </a:ext>
+            </a:extLst>
+          </p:cNvPr>
+          <p:cNvCxnSpPr>
+            <a:stCxn id="9" idx="0"/>
+          </p:cNvCxnSpPr>
+          <p:nvPr/>
+        </p:nvCxnSpPr>
+        <p:spPr>
+          <a:xfrm flipH="1" flipV="1">
+            <a:off x="274859" y="-163629"/>
+            <a:ext cx="1" cy="190002"/>
+          </a:xfrm>
+          <a:prstGeom prst="line">
+            <a:avLst/>
+          </a:prstGeom>
+          <a:ln w="15875">
+            <a:solidFill>
+              <a:schemeClr val="tx1">
+                <a:lumMod val="85000"/>
+                <a:lumOff val="15000"/>
+              </a:schemeClr>
+            </a:solidFill>
+          </a:ln>
+        </p:spPr>
+        <p:style>
+          <a:lnRef idx="1">
+            <a:schemeClr val="accent1"/>
+          </a:lnRef>
+          <a:fillRef idx="0">
+            <a:schemeClr val="accent1"/>
+          </a:fillRef>
+          <a:effectRef idx="0">
+            <a:schemeClr val="accent1"/>
+          </a:effectRef>
+          <a:fontRef idx="minor">
+            <a:schemeClr val="tx1"/>
+          </a:fontRef>
+        </p:style>
+      </p:cxnSp>
     </p:spTree>
     <p:extLst>
       <p:ext uri="{BB962C8B-B14F-4D97-AF65-F5344CB8AC3E}">
-        <p14:creationId xmlns:p14="http://schemas.microsoft.com/office/powerpoint/2010/main" val="1825189652"/>
+        <p14:creationId xmlns:p14="http://schemas.microsoft.com/office/powerpoint/2010/main" val="1074898735"/>
       </p:ext>
     </p:extLst>
   </p:cSld>
@@ -4693,209 +4999,24 @@
           <a:chExt cx="0" cy="0"/>
         </a:xfrm>
       </p:grpSpPr>
-      <p:pic>
-        <p:nvPicPr>
-          <p:cNvPr id="3" name="Picture 2">
-            <a:extLst>
-              <a:ext uri="{FF2B5EF4-FFF2-40B4-BE49-F238E27FC236}">
-                <a16:creationId xmlns:a16="http://schemas.microsoft.com/office/drawing/2014/main" id="{BB9C167C-973B-49B3-AEEB-76293876FEBA}"/>
-              </a:ext>
-            </a:extLst>
-          </p:cNvPr>
-          <p:cNvPicPr>
-            <a:picLocks noChangeAspect="1"/>
-          </p:cNvPicPr>
-          <p:nvPr/>
-        </p:nvPicPr>
-        <p:blipFill>
-          <a:blip r:embed="rId2">
-            <a:extLst>
-              <a:ext uri="{28A0092B-C50C-407E-A947-70E740481C1C}">
-                <a14:useLocalDpi xmlns:a14="http://schemas.microsoft.com/office/drawing/2010/main" val="0"/>
-              </a:ext>
-            </a:extLst>
-          </a:blip>
-          <a:stretch>
-            <a:fillRect/>
-          </a:stretch>
-        </p:blipFill>
-        <p:spPr>
-          <a:xfrm>
-            <a:off x="2667000" y="0"/>
-            <a:ext cx="6858000" cy="6858000"/>
-          </a:xfrm>
-          <a:prstGeom prst="rect">
-            <a:avLst/>
-          </a:prstGeom>
-        </p:spPr>
-      </p:pic>
-      <p:sp>
-        <p:nvSpPr>
-          <p:cNvPr id="7" name="Rectangle: Rounded Corners 3">
-            <a:extLst>
-              <a:ext uri="{FF2B5EF4-FFF2-40B4-BE49-F238E27FC236}">
-                <a16:creationId xmlns:a16="http://schemas.microsoft.com/office/drawing/2014/main" id="{D4AC8AA1-536C-4204-A2E4-E650B9DBECF9}"/>
-              </a:ext>
-            </a:extLst>
-          </p:cNvPr>
-          <p:cNvSpPr/>
-          <p:nvPr/>
-        </p:nvSpPr>
-        <p:spPr>
-          <a:xfrm>
-            <a:off x="-113210" y="156754"/>
-            <a:ext cx="3135544" cy="566057"/>
-          </a:xfrm>
-          <a:prstGeom prst="roundRect">
-            <a:avLst/>
-          </a:prstGeom>
-          <a:solidFill>
-            <a:srgbClr val="303030"/>
-          </a:solidFill>
-        </p:spPr>
-        <p:style>
-          <a:lnRef idx="2">
-            <a:schemeClr val="accent1">
-              <a:shade val="50000"/>
-            </a:schemeClr>
-          </a:lnRef>
-          <a:fillRef idx="1">
-            <a:schemeClr val="accent1"/>
-          </a:fillRef>
-          <a:effectRef idx="0">
-            <a:schemeClr val="accent1"/>
-          </a:effectRef>
-          <a:fontRef idx="minor">
-            <a:schemeClr val="lt1"/>
-          </a:fontRef>
-        </p:style>
-        <p:txBody>
-          <a:bodyPr rtlCol="0" anchor="ctr"/>
-          <a:lstStyle/>
-          <a:p>
-            <a:pPr algn="ctr"/>
-            <a:endParaRPr lang="en-US"/>
-          </a:p>
-        </p:txBody>
-      </p:sp>
-      <p:sp>
-        <p:nvSpPr>
-          <p:cNvPr id="8" name="TextBox 7">
-            <a:extLst>
-              <a:ext uri="{FF2B5EF4-FFF2-40B4-BE49-F238E27FC236}">
-                <a16:creationId xmlns:a16="http://schemas.microsoft.com/office/drawing/2014/main" id="{75E4E088-C63F-406C-8BCC-9F532274F50D}"/>
-              </a:ext>
-            </a:extLst>
-          </p:cNvPr>
-          <p:cNvSpPr txBox="1"/>
-          <p:nvPr/>
-        </p:nvSpPr>
-        <p:spPr>
-          <a:xfrm>
-            <a:off x="0" y="205974"/>
-            <a:ext cx="2931081" cy="461665"/>
-          </a:xfrm>
-          <a:prstGeom prst="rect">
-            <a:avLst/>
-          </a:prstGeom>
-          <a:noFill/>
-        </p:spPr>
-        <p:txBody>
-          <a:bodyPr wrap="square" rtlCol="0">
-            <a:spAutoFit/>
-          </a:bodyPr>
-          <a:lstStyle/>
-          <a:p>
-            <a:r>
-              <a:rPr lang="ru-RU" sz="2400" dirty="0">
-                <a:solidFill>
-                  <a:schemeClr val="bg1">
-                    <a:lumMod val="95000"/>
-                  </a:schemeClr>
-                </a:solidFill>
-                <a:latin typeface="Bahnschrift SemiBold" panose="020B0502040204020203" pitchFamily="34" charset="0"/>
-              </a:rPr>
-              <a:t>Окно регистрации</a:t>
-            </a:r>
-          </a:p>
-        </p:txBody>
-      </p:sp>
-      <p:sp>
-        <p:nvSpPr>
-          <p:cNvPr id="9" name="Овал 8">
-            <a:extLst>
-              <a:ext uri="{FF2B5EF4-FFF2-40B4-BE49-F238E27FC236}">
-                <a16:creationId xmlns:a16="http://schemas.microsoft.com/office/drawing/2014/main" id="{E6E16615-2A15-4262-A132-FD8831799DF2}"/>
-              </a:ext>
-            </a:extLst>
-          </p:cNvPr>
-          <p:cNvSpPr/>
-          <p:nvPr/>
-        </p:nvSpPr>
-        <p:spPr>
-          <a:xfrm>
-            <a:off x="173255" y="660391"/>
-            <a:ext cx="203209" cy="203209"/>
-          </a:xfrm>
-          <a:prstGeom prst="ellipse">
-            <a:avLst/>
-          </a:prstGeom>
-          <a:solidFill>
-            <a:schemeClr val="tx1">
-              <a:lumMod val="85000"/>
-              <a:lumOff val="15000"/>
-            </a:schemeClr>
-          </a:solidFill>
-          <a:ln w="57150">
-            <a:solidFill>
-              <a:schemeClr val="bg1"/>
-            </a:solidFill>
-          </a:ln>
-        </p:spPr>
-        <p:style>
-          <a:lnRef idx="2">
-            <a:schemeClr val="accent1">
-              <a:shade val="50000"/>
-            </a:schemeClr>
-          </a:lnRef>
-          <a:fillRef idx="1">
-            <a:schemeClr val="accent1"/>
-          </a:fillRef>
-          <a:effectRef idx="0">
-            <a:schemeClr val="accent1"/>
-          </a:effectRef>
-          <a:fontRef idx="minor">
-            <a:schemeClr val="lt1"/>
-          </a:fontRef>
-        </p:style>
-        <p:txBody>
-          <a:bodyPr rtlCol="0" anchor="ctr"/>
-          <a:lstStyle/>
-          <a:p>
-            <a:pPr algn="ctr"/>
-            <a:endParaRPr lang="ru-RU"/>
-          </a:p>
-        </p:txBody>
-      </p:sp>
       <p:cxnSp>
         <p:nvCxnSpPr>
-          <p:cNvPr id="10" name="Прямая соединительная линия 9">
-            <a:extLst>
-              <a:ext uri="{FF2B5EF4-FFF2-40B4-BE49-F238E27FC236}">
-                <a16:creationId xmlns:a16="http://schemas.microsoft.com/office/drawing/2014/main" id="{836E287F-2FAC-4A49-9F62-EBB549C1FFE8}"/>
+          <p:cNvPr id="8" name="Прямая соединительная линия 7">
+            <a:extLst>
+              <a:ext uri="{FF2B5EF4-FFF2-40B4-BE49-F238E27FC236}">
+                <a16:creationId xmlns:a16="http://schemas.microsoft.com/office/drawing/2014/main" id="{2B147433-66CE-41AE-936A-04599C246104}"/>
               </a:ext>
             </a:extLst>
           </p:cNvPr>
           <p:cNvCxnSpPr>
             <a:cxnSpLocks/>
-            <a:stCxn id="9" idx="4"/>
           </p:cNvCxnSpPr>
           <p:nvPr/>
         </p:nvCxnSpPr>
         <p:spPr>
           <a:xfrm>
-            <a:off x="274860" y="863600"/>
-            <a:ext cx="0" cy="6220594"/>
+            <a:off x="274859" y="0"/>
+            <a:ext cx="1" cy="7084194"/>
           </a:xfrm>
           <a:prstGeom prst="line">
             <a:avLst/>
@@ -4926,14 +5047,16 @@
       </p:cxnSp>
       <p:cxnSp>
         <p:nvCxnSpPr>
-          <p:cNvPr id="11" name="Прямая соединительная линия 10">
-            <a:extLst>
-              <a:ext uri="{FF2B5EF4-FFF2-40B4-BE49-F238E27FC236}">
-                <a16:creationId xmlns:a16="http://schemas.microsoft.com/office/drawing/2014/main" id="{622A271A-31C8-412C-842A-0622BC118E18}"/>
-              </a:ext>
-            </a:extLst>
-          </p:cNvPr>
-          <p:cNvCxnSpPr/>
+          <p:cNvPr id="10" name="Прямая соединительная линия 9">
+            <a:extLst>
+              <a:ext uri="{FF2B5EF4-FFF2-40B4-BE49-F238E27FC236}">
+                <a16:creationId xmlns:a16="http://schemas.microsoft.com/office/drawing/2014/main" id="{C7EECB78-013D-43F9-9DEB-077C2FDECA1A}"/>
+              </a:ext>
+            </a:extLst>
+          </p:cNvPr>
+          <p:cNvCxnSpPr>
+            <a:cxnSpLocks/>
+          </p:cNvCxnSpPr>
           <p:nvPr/>
         </p:nvCxnSpPr>
         <p:spPr>
@@ -4968,67 +5091,38 @@
           </a:fontRef>
         </p:style>
       </p:cxnSp>
-      <p:sp>
-        <p:nvSpPr>
-          <p:cNvPr id="12" name="Овал 11">
-            <a:extLst>
-              <a:ext uri="{FF2B5EF4-FFF2-40B4-BE49-F238E27FC236}">
-                <a16:creationId xmlns:a16="http://schemas.microsoft.com/office/drawing/2014/main" id="{04AAD49B-A355-4B3B-BDDD-CA85F2109CBB}"/>
-              </a:ext>
-            </a:extLst>
-          </p:cNvPr>
-          <p:cNvSpPr/>
-          <p:nvPr/>
-        </p:nvSpPr>
-        <p:spPr>
-          <a:xfrm>
-            <a:off x="173255" y="26373"/>
-            <a:ext cx="203209" cy="203209"/>
-          </a:xfrm>
-          <a:prstGeom prst="ellipse">
-            <a:avLst/>
-          </a:prstGeom>
-          <a:solidFill>
-            <a:schemeClr val="tx1">
-              <a:lumMod val="85000"/>
-              <a:lumOff val="15000"/>
-            </a:schemeClr>
-          </a:solidFill>
-          <a:ln w="57150">
-            <a:solidFill>
-              <a:schemeClr val="bg1"/>
-            </a:solidFill>
-          </a:ln>
-        </p:spPr>
-        <p:style>
-          <a:lnRef idx="2">
-            <a:schemeClr val="accent1">
-              <a:shade val="50000"/>
-            </a:schemeClr>
-          </a:lnRef>
-          <a:fillRef idx="1">
-            <a:schemeClr val="accent1"/>
-          </a:fillRef>
-          <a:effectRef idx="0">
-            <a:schemeClr val="accent1"/>
-          </a:effectRef>
-          <a:fontRef idx="minor">
-            <a:schemeClr val="lt1"/>
-          </a:fontRef>
-        </p:style>
-        <p:txBody>
-          <a:bodyPr rtlCol="0" anchor="ctr"/>
-          <a:lstStyle/>
-          <a:p>
-            <a:pPr algn="ctr"/>
-            <a:endParaRPr lang="ru-RU" dirty="0"/>
-          </a:p>
-        </p:txBody>
-      </p:sp>
+      <p:pic>
+        <p:nvPicPr>
+          <p:cNvPr id="5" name="Рисунок 4">
+            <a:extLst>
+              <a:ext uri="{FF2B5EF4-FFF2-40B4-BE49-F238E27FC236}">
+                <a16:creationId xmlns:a16="http://schemas.microsoft.com/office/drawing/2014/main" id="{037E0568-6622-4B22-B155-5DCD96F06FDC}"/>
+              </a:ext>
+            </a:extLst>
+          </p:cNvPr>
+          <p:cNvPicPr/>
+          <p:nvPr/>
+        </p:nvPicPr>
+        <p:blipFill>
+          <a:blip r:embed="rId2"/>
+          <a:stretch>
+            <a:fillRect/>
+          </a:stretch>
+        </p:blipFill>
+        <p:spPr>
+          <a:xfrm>
+            <a:off x="2735221" y="26373"/>
+            <a:ext cx="9004935" cy="6858000"/>
+          </a:xfrm>
+          <a:prstGeom prst="rect">
+            <a:avLst/>
+          </a:prstGeom>
+        </p:spPr>
+      </p:pic>
     </p:spTree>
     <p:extLst>
       <p:ext uri="{BB962C8B-B14F-4D97-AF65-F5344CB8AC3E}">
-        <p14:creationId xmlns:p14="http://schemas.microsoft.com/office/powerpoint/2010/main" val="2727008086"/>
+        <p14:creationId xmlns:p14="http://schemas.microsoft.com/office/powerpoint/2010/main" val="3405178719"/>
       </p:ext>
     </p:extLst>
   </p:cSld>
@@ -5060,7 +5154,7 @@
           <p:cNvPr id="3" name="Picture 2">
             <a:extLst>
               <a:ext uri="{FF2B5EF4-FFF2-40B4-BE49-F238E27FC236}">
-                <a16:creationId xmlns:a16="http://schemas.microsoft.com/office/drawing/2014/main" id="{B7BBD22D-5F64-457B-8C1D-E202DFD706D3}"/>
+                <a16:creationId xmlns:a16="http://schemas.microsoft.com/office/drawing/2014/main" id="{4E3C250E-D074-4A02-891A-2719D4E4913F}"/>
               </a:ext>
             </a:extLst>
           </p:cNvPr>
@@ -5083,7 +5177,7 @@
         </p:blipFill>
         <p:spPr>
           <a:xfrm>
-            <a:off x="2667000" y="966651"/>
+            <a:off x="2667000" y="0"/>
             <a:ext cx="6858000" cy="6858000"/>
           </a:xfrm>
           <a:prstGeom prst="rect">
@@ -5093,10 +5187,56 @@
       </p:pic>
       <p:sp>
         <p:nvSpPr>
-          <p:cNvPr id="6" name="Rectangle: Rounded Corners 3">
-            <a:extLst>
-              <a:ext uri="{FF2B5EF4-FFF2-40B4-BE49-F238E27FC236}">
-                <a16:creationId xmlns:a16="http://schemas.microsoft.com/office/drawing/2014/main" id="{EC6E8E20-CFE0-4998-9BEB-722D489C3138}"/>
+          <p:cNvPr id="5" name="TextBox 4">
+            <a:extLst>
+              <a:ext uri="{FF2B5EF4-FFF2-40B4-BE49-F238E27FC236}">
+                <a16:creationId xmlns:a16="http://schemas.microsoft.com/office/drawing/2014/main" id="{5B75EEDF-1435-4764-A888-BB19C7ECECB8}"/>
+              </a:ext>
+            </a:extLst>
+          </p:cNvPr>
+          <p:cNvSpPr txBox="1"/>
+          <p:nvPr/>
+        </p:nvSpPr>
+        <p:spPr>
+          <a:xfrm>
+            <a:off x="118221" y="239727"/>
+            <a:ext cx="2776722" cy="400110"/>
+          </a:xfrm>
+          <a:prstGeom prst="rect">
+            <a:avLst/>
+          </a:prstGeom>
+          <a:noFill/>
+        </p:spPr>
+        <p:txBody>
+          <a:bodyPr wrap="none" rtlCol="0">
+            <a:spAutoFit/>
+          </a:bodyPr>
+          <a:lstStyle/>
+          <a:p>
+            <a:r>
+              <a:rPr lang="ru-RU" sz="2000" b="1" dirty="0">
+                <a:solidFill>
+                  <a:srgbClr val="FFFFFF"/>
+                </a:solidFill>
+                <a:latin typeface="Nunito" pitchFamily="2" charset="-52"/>
+              </a:rPr>
+              <a:t>Раздел авторизации</a:t>
+            </a:r>
+            <a:endParaRPr lang="en-US" sz="2000" b="1" dirty="0">
+              <a:solidFill>
+                <a:srgbClr val="FFFFFF"/>
+              </a:solidFill>
+              <a:latin typeface="Nunito" pitchFamily="2" charset="-52"/>
+            </a:endParaRPr>
+          </a:p>
+        </p:txBody>
+      </p:sp>
+      <p:sp>
+        <p:nvSpPr>
+          <p:cNvPr id="11" name="Rectangle: Rounded Corners 3">
+            <a:extLst>
+              <a:ext uri="{FF2B5EF4-FFF2-40B4-BE49-F238E27FC236}">
+                <a16:creationId xmlns:a16="http://schemas.microsoft.com/office/drawing/2014/main" id="{E06E3CA5-E8B4-4C85-9FEF-4E36573A2206}"/>
               </a:ext>
             </a:extLst>
           </p:cNvPr>
@@ -5105,8 +5245,8 @@
         </p:nvSpPr>
         <p:spPr>
           <a:xfrm>
-            <a:off x="-113211" y="156754"/>
-            <a:ext cx="4242449" cy="566057"/>
+            <a:off x="-113210" y="156754"/>
+            <a:ext cx="3135544" cy="566057"/>
           </a:xfrm>
           <a:prstGeom prst="roundRect">
             <a:avLst/>
@@ -5142,10 +5282,10 @@
       </p:sp>
       <p:sp>
         <p:nvSpPr>
-          <p:cNvPr id="7" name="TextBox 6">
-            <a:extLst>
-              <a:ext uri="{FF2B5EF4-FFF2-40B4-BE49-F238E27FC236}">
-                <a16:creationId xmlns:a16="http://schemas.microsoft.com/office/drawing/2014/main" id="{239626FA-C373-4D22-BDAF-863F2298F476}"/>
+          <p:cNvPr id="12" name="TextBox 11">
+            <a:extLst>
+              <a:ext uri="{FF2B5EF4-FFF2-40B4-BE49-F238E27FC236}">
+                <a16:creationId xmlns:a16="http://schemas.microsoft.com/office/drawing/2014/main" id="{545940FF-32E2-456E-A6B3-BBA30AE2BD17}"/>
               </a:ext>
             </a:extLst>
           </p:cNvPr>
@@ -5155,7 +5295,7 @@
         <p:spPr>
           <a:xfrm>
             <a:off x="0" y="205974"/>
-            <a:ext cx="4013735" cy="461665"/>
+            <a:ext cx="2931081" cy="461665"/>
           </a:xfrm>
           <a:prstGeom prst="rect">
             <a:avLst/>
@@ -5177,17 +5317,17 @@
                 </a:solidFill>
                 <a:latin typeface="Bahnschrift SemiBold" panose="020B0502040204020203" pitchFamily="34" charset="0"/>
               </a:rPr>
-              <a:t>Неавторизованный доступ</a:t>
+              <a:t>Окно авторизации</a:t>
             </a:r>
           </a:p>
         </p:txBody>
       </p:sp>
       <p:sp>
         <p:nvSpPr>
-          <p:cNvPr id="8" name="Овал 7">
-            <a:extLst>
-              <a:ext uri="{FF2B5EF4-FFF2-40B4-BE49-F238E27FC236}">
-                <a16:creationId xmlns:a16="http://schemas.microsoft.com/office/drawing/2014/main" id="{30FB96B9-7DBB-4BA6-8DD9-F372F74E45D8}"/>
+          <p:cNvPr id="13" name="Овал 12">
+            <a:extLst>
+              <a:ext uri="{FF2B5EF4-FFF2-40B4-BE49-F238E27FC236}">
+                <a16:creationId xmlns:a16="http://schemas.microsoft.com/office/drawing/2014/main" id="{BF4BE1D1-314E-477A-990A-3A71B2E33D43}"/>
               </a:ext>
             </a:extLst>
           </p:cNvPr>
@@ -5241,16 +5381,16 @@
       </p:sp>
       <p:cxnSp>
         <p:nvCxnSpPr>
-          <p:cNvPr id="9" name="Прямая соединительная линия 8">
-            <a:extLst>
-              <a:ext uri="{FF2B5EF4-FFF2-40B4-BE49-F238E27FC236}">
-                <a16:creationId xmlns:a16="http://schemas.microsoft.com/office/drawing/2014/main" id="{1CDE132C-26C4-4047-B703-D6C721712F43}"/>
+          <p:cNvPr id="14" name="Прямая соединительная линия 13">
+            <a:extLst>
+              <a:ext uri="{FF2B5EF4-FFF2-40B4-BE49-F238E27FC236}">
+                <a16:creationId xmlns:a16="http://schemas.microsoft.com/office/drawing/2014/main" id="{0627B5E9-B69A-455B-8136-32260027C8B9}"/>
               </a:ext>
             </a:extLst>
           </p:cNvPr>
           <p:cNvCxnSpPr>
             <a:cxnSpLocks/>
-            <a:stCxn id="8" idx="4"/>
+            <a:stCxn id="13" idx="4"/>
           </p:cNvCxnSpPr>
           <p:nvPr/>
         </p:nvCxnSpPr>
@@ -5288,10 +5428,10 @@
       </p:cxnSp>
       <p:cxnSp>
         <p:nvCxnSpPr>
-          <p:cNvPr id="10" name="Прямая соединительная линия 9">
-            <a:extLst>
-              <a:ext uri="{FF2B5EF4-FFF2-40B4-BE49-F238E27FC236}">
-                <a16:creationId xmlns:a16="http://schemas.microsoft.com/office/drawing/2014/main" id="{71037515-D6CF-4C20-87FC-4ACC365A8455}"/>
+          <p:cNvPr id="15" name="Прямая соединительная линия 14">
+            <a:extLst>
+              <a:ext uri="{FF2B5EF4-FFF2-40B4-BE49-F238E27FC236}">
+                <a16:creationId xmlns:a16="http://schemas.microsoft.com/office/drawing/2014/main" id="{041C562E-5309-455A-A6CE-068B9EF936A4}"/>
               </a:ext>
             </a:extLst>
           </p:cNvPr>
@@ -5332,10 +5472,10 @@
       </p:cxnSp>
       <p:sp>
         <p:nvSpPr>
-          <p:cNvPr id="11" name="Овал 10">
-            <a:extLst>
-              <a:ext uri="{FF2B5EF4-FFF2-40B4-BE49-F238E27FC236}">
-                <a16:creationId xmlns:a16="http://schemas.microsoft.com/office/drawing/2014/main" id="{6A326139-59EE-4A77-8D1F-91F689896A70}"/>
+          <p:cNvPr id="31" name="Овал 30">
+            <a:extLst>
+              <a:ext uri="{FF2B5EF4-FFF2-40B4-BE49-F238E27FC236}">
+                <a16:creationId xmlns:a16="http://schemas.microsoft.com/office/drawing/2014/main" id="{2E5D762B-091A-4ACC-976C-FBC7D4B816A2}"/>
               </a:ext>
             </a:extLst>
           </p:cNvPr>
@@ -5390,7 +5530,7 @@
     </p:spTree>
     <p:extLst>
       <p:ext uri="{BB962C8B-B14F-4D97-AF65-F5344CB8AC3E}">
-        <p14:creationId xmlns:p14="http://schemas.microsoft.com/office/powerpoint/2010/main" val="2050385507"/>
+        <p14:creationId xmlns:p14="http://schemas.microsoft.com/office/powerpoint/2010/main" val="1825189652"/>
       </p:ext>
     </p:extLst>
   </p:cSld>
@@ -5419,10 +5559,10 @@
       </p:grpSpPr>
       <p:pic>
         <p:nvPicPr>
-          <p:cNvPr id="7" name="Picture 6">
-            <a:extLst>
-              <a:ext uri="{FF2B5EF4-FFF2-40B4-BE49-F238E27FC236}">
-                <a16:creationId xmlns:a16="http://schemas.microsoft.com/office/drawing/2014/main" id="{E30E903F-0515-489F-B7E8-4936D5A77CDD}"/>
+          <p:cNvPr id="3" name="Picture 2">
+            <a:extLst>
+              <a:ext uri="{FF2B5EF4-FFF2-40B4-BE49-F238E27FC236}">
+                <a16:creationId xmlns:a16="http://schemas.microsoft.com/office/drawing/2014/main" id="{BB9C167C-973B-49B3-AEEB-76293876FEBA}"/>
               </a:ext>
             </a:extLst>
           </p:cNvPr>
@@ -5445,55 +5585,111 @@
         </p:blipFill>
         <p:spPr>
           <a:xfrm>
-            <a:off x="2667001" y="0"/>
-            <a:ext cx="1917580" cy="3274423"/>
+            <a:off x="2667000" y="0"/>
+            <a:ext cx="6858000" cy="6858000"/>
           </a:xfrm>
           <a:prstGeom prst="rect">
             <a:avLst/>
           </a:prstGeom>
         </p:spPr>
       </p:pic>
-      <p:pic>
-        <p:nvPicPr>
-          <p:cNvPr id="9" name="Picture 8">
-            <a:extLst>
-              <a:ext uri="{FF2B5EF4-FFF2-40B4-BE49-F238E27FC236}">
-                <a16:creationId xmlns:a16="http://schemas.microsoft.com/office/drawing/2014/main" id="{33542410-864A-4425-ADB0-25F7BD5E9477}"/>
-              </a:ext>
-            </a:extLst>
-          </p:cNvPr>
-          <p:cNvPicPr>
-            <a:picLocks noChangeAspect="1"/>
-          </p:cNvPicPr>
-          <p:nvPr/>
-        </p:nvPicPr>
-        <p:blipFill rotWithShape="1">
-          <a:blip r:embed="rId3">
-            <a:extLst>
-              <a:ext uri="{28A0092B-C50C-407E-A947-70E740481C1C}">
-                <a14:useLocalDpi xmlns:a14="http://schemas.microsoft.com/office/drawing/2010/main" val="0"/>
-              </a:ext>
-            </a:extLst>
-          </a:blip>
-          <a:srcRect l="25364"/>
-          <a:stretch/>
-        </p:blipFill>
-        <p:spPr>
-          <a:xfrm>
-            <a:off x="4406536" y="0"/>
-            <a:ext cx="5118463" cy="6858000"/>
+      <p:sp>
+        <p:nvSpPr>
+          <p:cNvPr id="7" name="Rectangle: Rounded Corners 3">
+            <a:extLst>
+              <a:ext uri="{FF2B5EF4-FFF2-40B4-BE49-F238E27FC236}">
+                <a16:creationId xmlns:a16="http://schemas.microsoft.com/office/drawing/2014/main" id="{D4AC8AA1-536C-4204-A2E4-E650B9DBECF9}"/>
+              </a:ext>
+            </a:extLst>
+          </p:cNvPr>
+          <p:cNvSpPr/>
+          <p:nvPr/>
+        </p:nvSpPr>
+        <p:spPr>
+          <a:xfrm>
+            <a:off x="-113210" y="156754"/>
+            <a:ext cx="3135544" cy="566057"/>
+          </a:xfrm>
+          <a:prstGeom prst="roundRect">
+            <a:avLst/>
+          </a:prstGeom>
+          <a:solidFill>
+            <a:srgbClr val="303030"/>
+          </a:solidFill>
+        </p:spPr>
+        <p:style>
+          <a:lnRef idx="2">
+            <a:schemeClr val="accent1">
+              <a:shade val="50000"/>
+            </a:schemeClr>
+          </a:lnRef>
+          <a:fillRef idx="1">
+            <a:schemeClr val="accent1"/>
+          </a:fillRef>
+          <a:effectRef idx="0">
+            <a:schemeClr val="accent1"/>
+          </a:effectRef>
+          <a:fontRef idx="minor">
+            <a:schemeClr val="lt1"/>
+          </a:fontRef>
+        </p:style>
+        <p:txBody>
+          <a:bodyPr rtlCol="0" anchor="ctr"/>
+          <a:lstStyle/>
+          <a:p>
+            <a:pPr algn="ctr"/>
+            <a:endParaRPr lang="en-US"/>
+          </a:p>
+        </p:txBody>
+      </p:sp>
+      <p:sp>
+        <p:nvSpPr>
+          <p:cNvPr id="8" name="TextBox 7">
+            <a:extLst>
+              <a:ext uri="{FF2B5EF4-FFF2-40B4-BE49-F238E27FC236}">
+                <a16:creationId xmlns:a16="http://schemas.microsoft.com/office/drawing/2014/main" id="{75E4E088-C63F-406C-8BCC-9F532274F50D}"/>
+              </a:ext>
+            </a:extLst>
+          </p:cNvPr>
+          <p:cNvSpPr txBox="1"/>
+          <p:nvPr/>
+        </p:nvSpPr>
+        <p:spPr>
+          <a:xfrm>
+            <a:off x="0" y="205974"/>
+            <a:ext cx="2931081" cy="461665"/>
           </a:xfrm>
           <a:prstGeom prst="rect">
             <a:avLst/>
           </a:prstGeom>
-        </p:spPr>
-      </p:pic>
-      <p:sp>
-        <p:nvSpPr>
-          <p:cNvPr id="10" name="Овал 9">
-            <a:extLst>
-              <a:ext uri="{FF2B5EF4-FFF2-40B4-BE49-F238E27FC236}">
-                <a16:creationId xmlns:a16="http://schemas.microsoft.com/office/drawing/2014/main" id="{69D403E3-84E4-4B81-AD5C-4359F5112289}"/>
+          <a:noFill/>
+        </p:spPr>
+        <p:txBody>
+          <a:bodyPr wrap="square" rtlCol="0">
+            <a:spAutoFit/>
+          </a:bodyPr>
+          <a:lstStyle/>
+          <a:p>
+            <a:r>
+              <a:rPr lang="ru-RU" sz="2400" dirty="0">
+                <a:solidFill>
+                  <a:schemeClr val="bg1">
+                    <a:lumMod val="95000"/>
+                  </a:schemeClr>
+                </a:solidFill>
+                <a:latin typeface="Bahnschrift SemiBold" panose="020B0502040204020203" pitchFamily="34" charset="0"/>
+              </a:rPr>
+              <a:t>Окно регистрации</a:t>
+            </a:r>
+          </a:p>
+        </p:txBody>
+      </p:sp>
+      <p:sp>
+        <p:nvSpPr>
+          <p:cNvPr id="9" name="Овал 8">
+            <a:extLst>
+              <a:ext uri="{FF2B5EF4-FFF2-40B4-BE49-F238E27FC236}">
+                <a16:creationId xmlns:a16="http://schemas.microsoft.com/office/drawing/2014/main" id="{E6E16615-2A15-4262-A132-FD8831799DF2}"/>
               </a:ext>
             </a:extLst>
           </p:cNvPr>
@@ -5547,16 +5743,16 @@
       </p:sp>
       <p:cxnSp>
         <p:nvCxnSpPr>
-          <p:cNvPr id="11" name="Прямая соединительная линия 10">
-            <a:extLst>
-              <a:ext uri="{FF2B5EF4-FFF2-40B4-BE49-F238E27FC236}">
-                <a16:creationId xmlns:a16="http://schemas.microsoft.com/office/drawing/2014/main" id="{291416B1-DFE3-4CDA-9B56-A6EDB9F58FD4}"/>
+          <p:cNvPr id="10" name="Прямая соединительная линия 9">
+            <a:extLst>
+              <a:ext uri="{FF2B5EF4-FFF2-40B4-BE49-F238E27FC236}">
+                <a16:creationId xmlns:a16="http://schemas.microsoft.com/office/drawing/2014/main" id="{836E287F-2FAC-4A49-9F62-EBB549C1FFE8}"/>
               </a:ext>
             </a:extLst>
           </p:cNvPr>
           <p:cNvCxnSpPr>
             <a:cxnSpLocks/>
-            <a:stCxn id="10" idx="4"/>
+            <a:stCxn id="9" idx="4"/>
           </p:cNvCxnSpPr>
           <p:nvPr/>
         </p:nvCxnSpPr>
@@ -5594,23 +5790,20 @@
       </p:cxnSp>
       <p:cxnSp>
         <p:nvCxnSpPr>
-          <p:cNvPr id="12" name="Прямая соединительная линия 11">
-            <a:extLst>
-              <a:ext uri="{FF2B5EF4-FFF2-40B4-BE49-F238E27FC236}">
-                <a16:creationId xmlns:a16="http://schemas.microsoft.com/office/drawing/2014/main" id="{C7B08EBD-A7F9-4AFE-861F-B6C06FCD4041}"/>
-              </a:ext>
-            </a:extLst>
-          </p:cNvPr>
-          <p:cNvCxnSpPr>
-            <a:cxnSpLocks/>
-            <a:stCxn id="10" idx="0"/>
-          </p:cNvCxnSpPr>
+          <p:cNvPr id="11" name="Прямая соединительная линия 10">
+            <a:extLst>
+              <a:ext uri="{FF2B5EF4-FFF2-40B4-BE49-F238E27FC236}">
+                <a16:creationId xmlns:a16="http://schemas.microsoft.com/office/drawing/2014/main" id="{622A271A-31C8-412C-842A-0622BC118E18}"/>
+              </a:ext>
+            </a:extLst>
+          </p:cNvPr>
+          <p:cNvCxnSpPr/>
           <p:nvPr/>
         </p:nvCxnSpPr>
         <p:spPr>
-          <a:xfrm flipV="1">
-            <a:off x="274860" y="-163629"/>
-            <a:ext cx="0" cy="824020"/>
+          <a:xfrm flipH="1" flipV="1">
+            <a:off x="274859" y="-163629"/>
+            <a:ext cx="1" cy="190002"/>
           </a:xfrm>
           <a:prstGeom prst="line">
             <a:avLst/>
@@ -5639,10 +5832,67 @@
           </a:fontRef>
         </p:style>
       </p:cxnSp>
+      <p:sp>
+        <p:nvSpPr>
+          <p:cNvPr id="12" name="Овал 11">
+            <a:extLst>
+              <a:ext uri="{FF2B5EF4-FFF2-40B4-BE49-F238E27FC236}">
+                <a16:creationId xmlns:a16="http://schemas.microsoft.com/office/drawing/2014/main" id="{04AAD49B-A355-4B3B-BDDD-CA85F2109CBB}"/>
+              </a:ext>
+            </a:extLst>
+          </p:cNvPr>
+          <p:cNvSpPr/>
+          <p:nvPr/>
+        </p:nvSpPr>
+        <p:spPr>
+          <a:xfrm>
+            <a:off x="173255" y="26373"/>
+            <a:ext cx="203209" cy="203209"/>
+          </a:xfrm>
+          <a:prstGeom prst="ellipse">
+            <a:avLst/>
+          </a:prstGeom>
+          <a:solidFill>
+            <a:schemeClr val="tx1">
+              <a:lumMod val="85000"/>
+              <a:lumOff val="15000"/>
+            </a:schemeClr>
+          </a:solidFill>
+          <a:ln w="57150">
+            <a:solidFill>
+              <a:schemeClr val="bg1"/>
+            </a:solidFill>
+          </a:ln>
+        </p:spPr>
+        <p:style>
+          <a:lnRef idx="2">
+            <a:schemeClr val="accent1">
+              <a:shade val="50000"/>
+            </a:schemeClr>
+          </a:lnRef>
+          <a:fillRef idx="1">
+            <a:schemeClr val="accent1"/>
+          </a:fillRef>
+          <a:effectRef idx="0">
+            <a:schemeClr val="accent1"/>
+          </a:effectRef>
+          <a:fontRef idx="minor">
+            <a:schemeClr val="lt1"/>
+          </a:fontRef>
+        </p:style>
+        <p:txBody>
+          <a:bodyPr rtlCol="0" anchor="ctr"/>
+          <a:lstStyle/>
+          <a:p>
+            <a:pPr algn="ctr"/>
+            <a:endParaRPr lang="ru-RU" dirty="0"/>
+          </a:p>
+        </p:txBody>
+      </p:sp>
     </p:spTree>
     <p:extLst>
       <p:ext uri="{BB962C8B-B14F-4D97-AF65-F5344CB8AC3E}">
-        <p14:creationId xmlns:p14="http://schemas.microsoft.com/office/powerpoint/2010/main" val="3693139845"/>
+        <p14:creationId xmlns:p14="http://schemas.microsoft.com/office/powerpoint/2010/main" val="2727008086"/>
       </p:ext>
     </p:extLst>
   </p:cSld>
@@ -5674,7 +5924,7 @@
           <p:cNvPr id="3" name="Picture 2">
             <a:extLst>
               <a:ext uri="{FF2B5EF4-FFF2-40B4-BE49-F238E27FC236}">
-                <a16:creationId xmlns:a16="http://schemas.microsoft.com/office/drawing/2014/main" id="{F2C4298A-B423-4BAA-B458-2C6C2F066DBD}"/>
+                <a16:creationId xmlns:a16="http://schemas.microsoft.com/office/drawing/2014/main" id="{B7BBD22D-5F64-457B-8C1D-E202DFD706D3}"/>
               </a:ext>
             </a:extLst>
           </p:cNvPr>
@@ -5697,7 +5947,7 @@
         </p:blipFill>
         <p:spPr>
           <a:xfrm>
-            <a:off x="2667000" y="0"/>
+            <a:off x="2667000" y="966651"/>
             <a:ext cx="6858000" cy="6858000"/>
           </a:xfrm>
           <a:prstGeom prst="rect">
@@ -5707,10 +5957,101 @@
       </p:pic>
       <p:sp>
         <p:nvSpPr>
-          <p:cNvPr id="10" name="Овал 9">
-            <a:extLst>
-              <a:ext uri="{FF2B5EF4-FFF2-40B4-BE49-F238E27FC236}">
-                <a16:creationId xmlns:a16="http://schemas.microsoft.com/office/drawing/2014/main" id="{1FE91B10-BCCB-4A31-B928-D38255DBACA0}"/>
+          <p:cNvPr id="6" name="Rectangle: Rounded Corners 3">
+            <a:extLst>
+              <a:ext uri="{FF2B5EF4-FFF2-40B4-BE49-F238E27FC236}">
+                <a16:creationId xmlns:a16="http://schemas.microsoft.com/office/drawing/2014/main" id="{EC6E8E20-CFE0-4998-9BEB-722D489C3138}"/>
+              </a:ext>
+            </a:extLst>
+          </p:cNvPr>
+          <p:cNvSpPr/>
+          <p:nvPr/>
+        </p:nvSpPr>
+        <p:spPr>
+          <a:xfrm>
+            <a:off x="-113211" y="156754"/>
+            <a:ext cx="4242449" cy="566057"/>
+          </a:xfrm>
+          <a:prstGeom prst="roundRect">
+            <a:avLst/>
+          </a:prstGeom>
+          <a:solidFill>
+            <a:srgbClr val="303030"/>
+          </a:solidFill>
+        </p:spPr>
+        <p:style>
+          <a:lnRef idx="2">
+            <a:schemeClr val="accent1">
+              <a:shade val="50000"/>
+            </a:schemeClr>
+          </a:lnRef>
+          <a:fillRef idx="1">
+            <a:schemeClr val="accent1"/>
+          </a:fillRef>
+          <a:effectRef idx="0">
+            <a:schemeClr val="accent1"/>
+          </a:effectRef>
+          <a:fontRef idx="minor">
+            <a:schemeClr val="lt1"/>
+          </a:fontRef>
+        </p:style>
+        <p:txBody>
+          <a:bodyPr rtlCol="0" anchor="ctr"/>
+          <a:lstStyle/>
+          <a:p>
+            <a:pPr algn="ctr"/>
+            <a:endParaRPr lang="en-US"/>
+          </a:p>
+        </p:txBody>
+      </p:sp>
+      <p:sp>
+        <p:nvSpPr>
+          <p:cNvPr id="7" name="TextBox 6">
+            <a:extLst>
+              <a:ext uri="{FF2B5EF4-FFF2-40B4-BE49-F238E27FC236}">
+                <a16:creationId xmlns:a16="http://schemas.microsoft.com/office/drawing/2014/main" id="{239626FA-C373-4D22-BDAF-863F2298F476}"/>
+              </a:ext>
+            </a:extLst>
+          </p:cNvPr>
+          <p:cNvSpPr txBox="1"/>
+          <p:nvPr/>
+        </p:nvSpPr>
+        <p:spPr>
+          <a:xfrm>
+            <a:off x="0" y="205974"/>
+            <a:ext cx="4013735" cy="461665"/>
+          </a:xfrm>
+          <a:prstGeom prst="rect">
+            <a:avLst/>
+          </a:prstGeom>
+          <a:noFill/>
+        </p:spPr>
+        <p:txBody>
+          <a:bodyPr wrap="square" rtlCol="0">
+            <a:spAutoFit/>
+          </a:bodyPr>
+          <a:lstStyle/>
+          <a:p>
+            <a:r>
+              <a:rPr lang="ru-RU" sz="2400" dirty="0">
+                <a:solidFill>
+                  <a:schemeClr val="bg1">
+                    <a:lumMod val="95000"/>
+                  </a:schemeClr>
+                </a:solidFill>
+                <a:latin typeface="Bahnschrift SemiBold" panose="020B0502040204020203" pitchFamily="34" charset="0"/>
+              </a:rPr>
+              <a:t>Неавторизованный доступ</a:t>
+            </a:r>
+          </a:p>
+        </p:txBody>
+      </p:sp>
+      <p:sp>
+        <p:nvSpPr>
+          <p:cNvPr id="8" name="Овал 7">
+            <a:extLst>
+              <a:ext uri="{FF2B5EF4-FFF2-40B4-BE49-F238E27FC236}">
+                <a16:creationId xmlns:a16="http://schemas.microsoft.com/office/drawing/2014/main" id="{30FB96B9-7DBB-4BA6-8DD9-F372F74E45D8}"/>
               </a:ext>
             </a:extLst>
           </p:cNvPr>
@@ -5764,16 +6105,16 @@
       </p:sp>
       <p:cxnSp>
         <p:nvCxnSpPr>
-          <p:cNvPr id="11" name="Прямая соединительная линия 10">
-            <a:extLst>
-              <a:ext uri="{FF2B5EF4-FFF2-40B4-BE49-F238E27FC236}">
-                <a16:creationId xmlns:a16="http://schemas.microsoft.com/office/drawing/2014/main" id="{29F9EC96-2665-46FC-BAC4-D7E8DE9623DB}"/>
+          <p:cNvPr id="9" name="Прямая соединительная линия 8">
+            <a:extLst>
+              <a:ext uri="{FF2B5EF4-FFF2-40B4-BE49-F238E27FC236}">
+                <a16:creationId xmlns:a16="http://schemas.microsoft.com/office/drawing/2014/main" id="{1CDE132C-26C4-4047-B703-D6C721712F43}"/>
               </a:ext>
             </a:extLst>
           </p:cNvPr>
           <p:cNvCxnSpPr>
             <a:cxnSpLocks/>
-            <a:stCxn id="10" idx="4"/>
+            <a:stCxn id="8" idx="4"/>
           </p:cNvCxnSpPr>
           <p:nvPr/>
         </p:nvCxnSpPr>
@@ -5811,23 +6152,20 @@
       </p:cxnSp>
       <p:cxnSp>
         <p:nvCxnSpPr>
-          <p:cNvPr id="12" name="Прямая соединительная линия 11">
-            <a:extLst>
-              <a:ext uri="{FF2B5EF4-FFF2-40B4-BE49-F238E27FC236}">
-                <a16:creationId xmlns:a16="http://schemas.microsoft.com/office/drawing/2014/main" id="{FF6A20F2-2B40-4717-9E2F-4C629A20162B}"/>
-              </a:ext>
-            </a:extLst>
-          </p:cNvPr>
-          <p:cNvCxnSpPr>
-            <a:cxnSpLocks/>
-            <a:stCxn id="10" idx="0"/>
-          </p:cNvCxnSpPr>
+          <p:cNvPr id="10" name="Прямая соединительная линия 9">
+            <a:extLst>
+              <a:ext uri="{FF2B5EF4-FFF2-40B4-BE49-F238E27FC236}">
+                <a16:creationId xmlns:a16="http://schemas.microsoft.com/office/drawing/2014/main" id="{71037515-D6CF-4C20-87FC-4ACC365A8455}"/>
+              </a:ext>
+            </a:extLst>
+          </p:cNvPr>
+          <p:cNvCxnSpPr/>
           <p:nvPr/>
         </p:nvCxnSpPr>
         <p:spPr>
-          <a:xfrm flipV="1">
-            <a:off x="274860" y="-163629"/>
-            <a:ext cx="0" cy="824020"/>
+          <a:xfrm flipH="1" flipV="1">
+            <a:off x="274859" y="-163629"/>
+            <a:ext cx="1" cy="190002"/>
           </a:xfrm>
           <a:prstGeom prst="line">
             <a:avLst/>
@@ -5856,10 +6194,67 @@
           </a:fontRef>
         </p:style>
       </p:cxnSp>
+      <p:sp>
+        <p:nvSpPr>
+          <p:cNvPr id="11" name="Овал 10">
+            <a:extLst>
+              <a:ext uri="{FF2B5EF4-FFF2-40B4-BE49-F238E27FC236}">
+                <a16:creationId xmlns:a16="http://schemas.microsoft.com/office/drawing/2014/main" id="{6A326139-59EE-4A77-8D1F-91F689896A70}"/>
+              </a:ext>
+            </a:extLst>
+          </p:cNvPr>
+          <p:cNvSpPr/>
+          <p:nvPr/>
+        </p:nvSpPr>
+        <p:spPr>
+          <a:xfrm>
+            <a:off x="173255" y="26373"/>
+            <a:ext cx="203209" cy="203209"/>
+          </a:xfrm>
+          <a:prstGeom prst="ellipse">
+            <a:avLst/>
+          </a:prstGeom>
+          <a:solidFill>
+            <a:schemeClr val="tx1">
+              <a:lumMod val="85000"/>
+              <a:lumOff val="15000"/>
+            </a:schemeClr>
+          </a:solidFill>
+          <a:ln w="57150">
+            <a:solidFill>
+              <a:schemeClr val="bg1"/>
+            </a:solidFill>
+          </a:ln>
+        </p:spPr>
+        <p:style>
+          <a:lnRef idx="2">
+            <a:schemeClr val="accent1">
+              <a:shade val="50000"/>
+            </a:schemeClr>
+          </a:lnRef>
+          <a:fillRef idx="1">
+            <a:schemeClr val="accent1"/>
+          </a:fillRef>
+          <a:effectRef idx="0">
+            <a:schemeClr val="accent1"/>
+          </a:effectRef>
+          <a:fontRef idx="minor">
+            <a:schemeClr val="lt1"/>
+          </a:fontRef>
+        </p:style>
+        <p:txBody>
+          <a:bodyPr rtlCol="0" anchor="ctr"/>
+          <a:lstStyle/>
+          <a:p>
+            <a:pPr algn="ctr"/>
+            <a:endParaRPr lang="ru-RU" dirty="0"/>
+          </a:p>
+        </p:txBody>
+      </p:sp>
     </p:spTree>
     <p:extLst>
       <p:ext uri="{BB962C8B-B14F-4D97-AF65-F5344CB8AC3E}">
-        <p14:creationId xmlns:p14="http://schemas.microsoft.com/office/powerpoint/2010/main" val="3833829649"/>
+        <p14:creationId xmlns:p14="http://schemas.microsoft.com/office/powerpoint/2010/main" val="2050385507"/>
       </p:ext>
     </p:extLst>
   </p:cSld>
@@ -5888,10 +6283,10 @@
       </p:grpSpPr>
       <p:pic>
         <p:nvPicPr>
-          <p:cNvPr id="3" name="Picture 2">
-            <a:extLst>
-              <a:ext uri="{FF2B5EF4-FFF2-40B4-BE49-F238E27FC236}">
-                <a16:creationId xmlns:a16="http://schemas.microsoft.com/office/drawing/2014/main" id="{DF9445BE-485E-4A16-AB1A-6AADC875851E}"/>
+          <p:cNvPr id="7" name="Picture 6">
+            <a:extLst>
+              <a:ext uri="{FF2B5EF4-FFF2-40B4-BE49-F238E27FC236}">
+                <a16:creationId xmlns:a16="http://schemas.microsoft.com/office/drawing/2014/main" id="{E30E903F-0515-489F-B7E8-4936D5A77CDD}"/>
               </a:ext>
             </a:extLst>
           </p:cNvPr>
@@ -5914,20 +6309,55 @@
         </p:blipFill>
         <p:spPr>
           <a:xfrm>
-            <a:off x="2667000" y="0"/>
-            <a:ext cx="6858000" cy="6858000"/>
+            <a:off x="2667001" y="0"/>
+            <a:ext cx="1917580" cy="3274423"/>
           </a:xfrm>
           <a:prstGeom prst="rect">
             <a:avLst/>
           </a:prstGeom>
         </p:spPr>
       </p:pic>
+      <p:pic>
+        <p:nvPicPr>
+          <p:cNvPr id="9" name="Picture 8">
+            <a:extLst>
+              <a:ext uri="{FF2B5EF4-FFF2-40B4-BE49-F238E27FC236}">
+                <a16:creationId xmlns:a16="http://schemas.microsoft.com/office/drawing/2014/main" id="{33542410-864A-4425-ADB0-25F7BD5E9477}"/>
+              </a:ext>
+            </a:extLst>
+          </p:cNvPr>
+          <p:cNvPicPr>
+            <a:picLocks noChangeAspect="1"/>
+          </p:cNvPicPr>
+          <p:nvPr/>
+        </p:nvPicPr>
+        <p:blipFill rotWithShape="1">
+          <a:blip r:embed="rId3">
+            <a:extLst>
+              <a:ext uri="{28A0092B-C50C-407E-A947-70E740481C1C}">
+                <a14:useLocalDpi xmlns:a14="http://schemas.microsoft.com/office/drawing/2010/main" val="0"/>
+              </a:ext>
+            </a:extLst>
+          </a:blip>
+          <a:srcRect l="25364"/>
+          <a:stretch/>
+        </p:blipFill>
+        <p:spPr>
+          <a:xfrm>
+            <a:off x="4406536" y="0"/>
+            <a:ext cx="5118463" cy="6858000"/>
+          </a:xfrm>
+          <a:prstGeom prst="rect">
+            <a:avLst/>
+          </a:prstGeom>
+        </p:spPr>
+      </p:pic>
       <p:sp>
         <p:nvSpPr>
           <p:cNvPr id="10" name="Овал 9">
             <a:extLst>
               <a:ext uri="{FF2B5EF4-FFF2-40B4-BE49-F238E27FC236}">
-                <a16:creationId xmlns:a16="http://schemas.microsoft.com/office/drawing/2014/main" id="{29852FB1-221F-46E4-97B0-D980B364596D}"/>
+                <a16:creationId xmlns:a16="http://schemas.microsoft.com/office/drawing/2014/main" id="{69D403E3-84E4-4B81-AD5C-4359F5112289}"/>
               </a:ext>
             </a:extLst>
           </p:cNvPr>
@@ -5984,7 +6414,7 @@
           <p:cNvPr id="11" name="Прямая соединительная линия 10">
             <a:extLst>
               <a:ext uri="{FF2B5EF4-FFF2-40B4-BE49-F238E27FC236}">
-                <a16:creationId xmlns:a16="http://schemas.microsoft.com/office/drawing/2014/main" id="{20B573EB-2C83-4DE4-9A49-99FBA67AEB42}"/>
+                <a16:creationId xmlns:a16="http://schemas.microsoft.com/office/drawing/2014/main" id="{291416B1-DFE3-4CDA-9B56-A6EDB9F58FD4}"/>
               </a:ext>
             </a:extLst>
           </p:cNvPr>
@@ -6031,7 +6461,7 @@
           <p:cNvPr id="12" name="Прямая соединительная линия 11">
             <a:extLst>
               <a:ext uri="{FF2B5EF4-FFF2-40B4-BE49-F238E27FC236}">
-                <a16:creationId xmlns:a16="http://schemas.microsoft.com/office/drawing/2014/main" id="{130936F5-AD8C-4EA0-B4D6-F6E991B4F585}"/>
+                <a16:creationId xmlns:a16="http://schemas.microsoft.com/office/drawing/2014/main" id="{C7B08EBD-A7F9-4AFE-861F-B6C06FCD4041}"/>
               </a:ext>
             </a:extLst>
           </p:cNvPr>
@@ -6076,7 +6506,7 @@
     </p:spTree>
     <p:extLst>
       <p:ext uri="{BB962C8B-B14F-4D97-AF65-F5344CB8AC3E}">
-        <p14:creationId xmlns:p14="http://schemas.microsoft.com/office/powerpoint/2010/main" val="2802499483"/>
+        <p14:creationId xmlns:p14="http://schemas.microsoft.com/office/powerpoint/2010/main" val="3693139845"/>
       </p:ext>
     </p:extLst>
   </p:cSld>
@@ -6108,7 +6538,7 @@
           <p:cNvPr id="3" name="Picture 2">
             <a:extLst>
               <a:ext uri="{FF2B5EF4-FFF2-40B4-BE49-F238E27FC236}">
-                <a16:creationId xmlns:a16="http://schemas.microsoft.com/office/drawing/2014/main" id="{44DE7C2F-F268-4471-829B-E53D58D99AC0}"/>
+                <a16:creationId xmlns:a16="http://schemas.microsoft.com/office/drawing/2014/main" id="{F2C4298A-B423-4BAA-B458-2C6C2F066DBD}"/>
               </a:ext>
             </a:extLst>
           </p:cNvPr>
@@ -6144,7 +6574,7 @@
           <p:cNvPr id="10" name="Овал 9">
             <a:extLst>
               <a:ext uri="{FF2B5EF4-FFF2-40B4-BE49-F238E27FC236}">
-                <a16:creationId xmlns:a16="http://schemas.microsoft.com/office/drawing/2014/main" id="{A77D00C0-CD43-41C5-8B35-17DA787D5F0C}"/>
+                <a16:creationId xmlns:a16="http://schemas.microsoft.com/office/drawing/2014/main" id="{1FE91B10-BCCB-4A31-B928-D38255DBACA0}"/>
               </a:ext>
             </a:extLst>
           </p:cNvPr>
@@ -6201,7 +6631,7 @@
           <p:cNvPr id="11" name="Прямая соединительная линия 10">
             <a:extLst>
               <a:ext uri="{FF2B5EF4-FFF2-40B4-BE49-F238E27FC236}">
-                <a16:creationId xmlns:a16="http://schemas.microsoft.com/office/drawing/2014/main" id="{2CE1B883-83B0-4B6B-B78E-5A86924E3C15}"/>
+                <a16:creationId xmlns:a16="http://schemas.microsoft.com/office/drawing/2014/main" id="{29F9EC96-2665-46FC-BAC4-D7E8DE9623DB}"/>
               </a:ext>
             </a:extLst>
           </p:cNvPr>
@@ -6248,7 +6678,7 @@
           <p:cNvPr id="12" name="Прямая соединительная линия 11">
             <a:extLst>
               <a:ext uri="{FF2B5EF4-FFF2-40B4-BE49-F238E27FC236}">
-                <a16:creationId xmlns:a16="http://schemas.microsoft.com/office/drawing/2014/main" id="{F7815450-4397-4A61-8808-9451F3B027E0}"/>
+                <a16:creationId xmlns:a16="http://schemas.microsoft.com/office/drawing/2014/main" id="{FF6A20F2-2B40-4717-9E2F-4C629A20162B}"/>
               </a:ext>
             </a:extLst>
           </p:cNvPr>
@@ -6293,7 +6723,7 @@
     </p:spTree>
     <p:extLst>
       <p:ext uri="{BB962C8B-B14F-4D97-AF65-F5344CB8AC3E}">
-        <p14:creationId xmlns:p14="http://schemas.microsoft.com/office/powerpoint/2010/main" val="126505458"/>
+        <p14:creationId xmlns:p14="http://schemas.microsoft.com/office/powerpoint/2010/main" val="3833829649"/>
       </p:ext>
     </p:extLst>
   </p:cSld>
@@ -6919,10 +7349,10 @@
       </p:grpSpPr>
       <p:pic>
         <p:nvPicPr>
-          <p:cNvPr id="3" name="Рисунок 2">
-            <a:extLst>
-              <a:ext uri="{FF2B5EF4-FFF2-40B4-BE49-F238E27FC236}">
-                <a16:creationId xmlns:a16="http://schemas.microsoft.com/office/drawing/2014/main" id="{4B7417CA-CC30-4579-8070-1B93A0CD35A7}"/>
+          <p:cNvPr id="3" name="Picture 2">
+            <a:extLst>
+              <a:ext uri="{FF2B5EF4-FFF2-40B4-BE49-F238E27FC236}">
+                <a16:creationId xmlns:a16="http://schemas.microsoft.com/office/drawing/2014/main" id="{DF9445BE-485E-4A16-AB1A-6AADC875851E}"/>
               </a:ext>
             </a:extLst>
           </p:cNvPr>
@@ -6958,7 +7388,7 @@
           <p:cNvPr id="10" name="Овал 9">
             <a:extLst>
               <a:ext uri="{FF2B5EF4-FFF2-40B4-BE49-F238E27FC236}">
-                <a16:creationId xmlns:a16="http://schemas.microsoft.com/office/drawing/2014/main" id="{8FCB0373-2DD3-47E4-B7CD-74A5BE663FF6}"/>
+                <a16:creationId xmlns:a16="http://schemas.microsoft.com/office/drawing/2014/main" id="{29852FB1-221F-46E4-97B0-D980B364596D}"/>
               </a:ext>
             </a:extLst>
           </p:cNvPr>
@@ -7015,7 +7445,7 @@
           <p:cNvPr id="11" name="Прямая соединительная линия 10">
             <a:extLst>
               <a:ext uri="{FF2B5EF4-FFF2-40B4-BE49-F238E27FC236}">
-                <a16:creationId xmlns:a16="http://schemas.microsoft.com/office/drawing/2014/main" id="{E3DE3AE4-C4E1-48E5-A5FD-6C4C2037233E}"/>
+                <a16:creationId xmlns:a16="http://schemas.microsoft.com/office/drawing/2014/main" id="{20B573EB-2C83-4DE4-9A49-99FBA67AEB42}"/>
               </a:ext>
             </a:extLst>
           </p:cNvPr>
@@ -7062,7 +7492,7 @@
           <p:cNvPr id="12" name="Прямая соединительная линия 11">
             <a:extLst>
               <a:ext uri="{FF2B5EF4-FFF2-40B4-BE49-F238E27FC236}">
-                <a16:creationId xmlns:a16="http://schemas.microsoft.com/office/drawing/2014/main" id="{EC3889CE-AEFB-462D-ABA1-857CBD659CB2}"/>
+                <a16:creationId xmlns:a16="http://schemas.microsoft.com/office/drawing/2014/main" id="{130936F5-AD8C-4EA0-B4D6-F6E991B4F585}"/>
               </a:ext>
             </a:extLst>
           </p:cNvPr>
@@ -7107,7 +7537,7 @@
     </p:spTree>
     <p:extLst>
       <p:ext uri="{BB962C8B-B14F-4D97-AF65-F5344CB8AC3E}">
-        <p14:creationId xmlns:p14="http://schemas.microsoft.com/office/powerpoint/2010/main" val="246898641"/>
+        <p14:creationId xmlns:p14="http://schemas.microsoft.com/office/powerpoint/2010/main" val="2802499483"/>
       </p:ext>
     </p:extLst>
   </p:cSld>
@@ -7136,10 +7566,10 @@
       </p:grpSpPr>
       <p:pic>
         <p:nvPicPr>
-          <p:cNvPr id="3" name="Рисунок 2">
-            <a:extLst>
-              <a:ext uri="{FF2B5EF4-FFF2-40B4-BE49-F238E27FC236}">
-                <a16:creationId xmlns:a16="http://schemas.microsoft.com/office/drawing/2014/main" id="{EEF61B1E-E3E6-4BDE-8B68-8E2571AF6895}"/>
+          <p:cNvPr id="3" name="Picture 2">
+            <a:extLst>
+              <a:ext uri="{FF2B5EF4-FFF2-40B4-BE49-F238E27FC236}">
+                <a16:creationId xmlns:a16="http://schemas.microsoft.com/office/drawing/2014/main" id="{44DE7C2F-F268-4471-829B-E53D58D99AC0}"/>
               </a:ext>
             </a:extLst>
           </p:cNvPr>
@@ -7175,7 +7605,7 @@
           <p:cNvPr id="10" name="Овал 9">
             <a:extLst>
               <a:ext uri="{FF2B5EF4-FFF2-40B4-BE49-F238E27FC236}">
-                <a16:creationId xmlns:a16="http://schemas.microsoft.com/office/drawing/2014/main" id="{B553C685-F0DF-45CE-B003-654C7D49C79F}"/>
+                <a16:creationId xmlns:a16="http://schemas.microsoft.com/office/drawing/2014/main" id="{A77D00C0-CD43-41C5-8B35-17DA787D5F0C}"/>
               </a:ext>
             </a:extLst>
           </p:cNvPr>
@@ -7232,7 +7662,7 @@
           <p:cNvPr id="11" name="Прямая соединительная линия 10">
             <a:extLst>
               <a:ext uri="{FF2B5EF4-FFF2-40B4-BE49-F238E27FC236}">
-                <a16:creationId xmlns:a16="http://schemas.microsoft.com/office/drawing/2014/main" id="{C2091654-C1AD-4F8D-ACA1-78DE61032D87}"/>
+                <a16:creationId xmlns:a16="http://schemas.microsoft.com/office/drawing/2014/main" id="{2CE1B883-83B0-4B6B-B78E-5A86924E3C15}"/>
               </a:ext>
             </a:extLst>
           </p:cNvPr>
@@ -7279,7 +7709,7 @@
           <p:cNvPr id="12" name="Прямая соединительная линия 11">
             <a:extLst>
               <a:ext uri="{FF2B5EF4-FFF2-40B4-BE49-F238E27FC236}">
-                <a16:creationId xmlns:a16="http://schemas.microsoft.com/office/drawing/2014/main" id="{42DD00C6-94F5-41D6-97C4-5B68759A230C}"/>
+                <a16:creationId xmlns:a16="http://schemas.microsoft.com/office/drawing/2014/main" id="{F7815450-4397-4A61-8808-9451F3B027E0}"/>
               </a:ext>
             </a:extLst>
           </p:cNvPr>
@@ -7324,7 +7754,7 @@
     </p:spTree>
     <p:extLst>
       <p:ext uri="{BB962C8B-B14F-4D97-AF65-F5344CB8AC3E}">
-        <p14:creationId xmlns:p14="http://schemas.microsoft.com/office/powerpoint/2010/main" val="1811296740"/>
+        <p14:creationId xmlns:p14="http://schemas.microsoft.com/office/powerpoint/2010/main" val="126505458"/>
       </p:ext>
     </p:extLst>
   </p:cSld>
@@ -7353,10 +7783,10 @@
       </p:grpSpPr>
       <p:pic>
         <p:nvPicPr>
-          <p:cNvPr id="2" name="Рисунок 1">
-            <a:extLst>
-              <a:ext uri="{FF2B5EF4-FFF2-40B4-BE49-F238E27FC236}">
-                <a16:creationId xmlns:a16="http://schemas.microsoft.com/office/drawing/2014/main" id="{D30482BC-184D-42CA-A22F-F44BD2F1ACFB}"/>
+          <p:cNvPr id="3" name="Рисунок 2">
+            <a:extLst>
+              <a:ext uri="{FF2B5EF4-FFF2-40B4-BE49-F238E27FC236}">
+                <a16:creationId xmlns:a16="http://schemas.microsoft.com/office/drawing/2014/main" id="{4B7417CA-CC30-4579-8070-1B93A0CD35A7}"/>
               </a:ext>
             </a:extLst>
           </p:cNvPr>
@@ -7366,15 +7796,21 @@
           <p:nvPr/>
         </p:nvPicPr>
         <p:blipFill>
-          <a:blip r:embed="rId2"/>
+          <a:blip r:embed="rId2">
+            <a:extLst>
+              <a:ext uri="{28A0092B-C50C-407E-A947-70E740481C1C}">
+                <a14:useLocalDpi xmlns:a14="http://schemas.microsoft.com/office/drawing/2010/main" val="0"/>
+              </a:ext>
+            </a:extLst>
+          </a:blip>
           <a:stretch>
             <a:fillRect/>
           </a:stretch>
         </p:blipFill>
         <p:spPr>
           <a:xfrm>
-            <a:off x="0" y="808428"/>
-            <a:ext cx="12192000" cy="6141348"/>
+            <a:off x="2667000" y="0"/>
+            <a:ext cx="6858000" cy="6858000"/>
           </a:xfrm>
           <a:prstGeom prst="rect">
             <a:avLst/>
@@ -7383,131 +7819,10 @@
       </p:pic>
       <p:sp>
         <p:nvSpPr>
-          <p:cNvPr id="5" name="Rectangle: Rounded Corners 3">
-            <a:extLst>
-              <a:ext uri="{FF2B5EF4-FFF2-40B4-BE49-F238E27FC236}">
-                <a16:creationId xmlns:a16="http://schemas.microsoft.com/office/drawing/2014/main" id="{EF86A53B-6B5F-4E0D-8217-341A6EC7E9F7}"/>
-              </a:ext>
-            </a:extLst>
-          </p:cNvPr>
-          <p:cNvSpPr/>
-          <p:nvPr/>
-        </p:nvSpPr>
-        <p:spPr>
-          <a:xfrm>
-            <a:off x="-113211" y="156754"/>
-            <a:ext cx="3474720" cy="566057"/>
-          </a:xfrm>
-          <a:prstGeom prst="roundRect">
-            <a:avLst/>
-          </a:prstGeom>
-          <a:solidFill>
-            <a:srgbClr val="303030"/>
-          </a:solidFill>
-        </p:spPr>
-        <p:style>
-          <a:lnRef idx="2">
-            <a:schemeClr val="accent1">
-              <a:shade val="50000"/>
-            </a:schemeClr>
-          </a:lnRef>
-          <a:fillRef idx="1">
-            <a:schemeClr val="accent1"/>
-          </a:fillRef>
-          <a:effectRef idx="0">
-            <a:schemeClr val="accent1"/>
-          </a:effectRef>
-          <a:fontRef idx="minor">
-            <a:schemeClr val="lt1"/>
-          </a:fontRef>
-        </p:style>
-        <p:txBody>
-          <a:bodyPr rtlCol="0" anchor="ctr"/>
-          <a:lstStyle/>
-          <a:p>
-            <a:pPr algn="ctr"/>
-            <a:endParaRPr lang="en-US"/>
-          </a:p>
-        </p:txBody>
-      </p:sp>
-      <p:sp>
-        <p:nvSpPr>
-          <p:cNvPr id="6" name="TextBox 5">
-            <a:extLst>
-              <a:ext uri="{FF2B5EF4-FFF2-40B4-BE49-F238E27FC236}">
-                <a16:creationId xmlns:a16="http://schemas.microsoft.com/office/drawing/2014/main" id="{33B0AF43-E804-41A8-A483-1CB1E1CCC6CE}"/>
-              </a:ext>
-            </a:extLst>
-          </p:cNvPr>
-          <p:cNvSpPr txBox="1"/>
-          <p:nvPr/>
-        </p:nvSpPr>
-        <p:spPr>
-          <a:xfrm>
-            <a:off x="0" y="205974"/>
-            <a:ext cx="3300549" cy="461665"/>
-          </a:xfrm>
-          <a:prstGeom prst="rect">
-            <a:avLst/>
-          </a:prstGeom>
-          <a:noFill/>
-        </p:spPr>
-        <p:txBody>
-          <a:bodyPr wrap="square" rtlCol="0">
-            <a:spAutoFit/>
-          </a:bodyPr>
-          <a:lstStyle/>
-          <a:p>
-            <a:r>
-              <a:rPr lang="en-US" sz="2400" dirty="0">
-                <a:solidFill>
-                  <a:schemeClr val="bg1">
-                    <a:lumMod val="95000"/>
-                  </a:schemeClr>
-                </a:solidFill>
-                <a:latin typeface="Bahnschrift SemiBold" panose="020B0502040204020203" pitchFamily="34" charset="0"/>
-              </a:rPr>
-              <a:t>UML </a:t>
-            </a:r>
-            <a:r>
-              <a:rPr lang="ru-RU" sz="2400" dirty="0">
-                <a:solidFill>
-                  <a:schemeClr val="bg1">
-                    <a:lumMod val="95000"/>
-                  </a:schemeClr>
-                </a:solidFill>
-                <a:latin typeface="Bahnschrift SemiBold" panose="020B0502040204020203" pitchFamily="34" charset="0"/>
-              </a:rPr>
-              <a:t>диаграмма </a:t>
-            </a:r>
-            <a:r>
-              <a:rPr lang="ru-RU" sz="2400" dirty="0" err="1">
-                <a:solidFill>
-                  <a:schemeClr val="bg1">
-                    <a:lumMod val="95000"/>
-                  </a:schemeClr>
-                </a:solidFill>
-                <a:latin typeface="Bahnschrift SemiBold" panose="020B0502040204020203" pitchFamily="34" charset="0"/>
-              </a:rPr>
-              <a:t>Ганта</a:t>
-            </a:r>
-            <a:endParaRPr lang="ru-RU" sz="2400" dirty="0">
-              <a:solidFill>
-                <a:schemeClr val="bg1">
-                  <a:lumMod val="95000"/>
-                </a:schemeClr>
-              </a:solidFill>
-              <a:latin typeface="Bahnschrift SemiBold" panose="020B0502040204020203" pitchFamily="34" charset="0"/>
-            </a:endParaRPr>
-          </a:p>
-        </p:txBody>
-      </p:sp>
-      <p:sp>
-        <p:nvSpPr>
-          <p:cNvPr id="7" name="Овал 6">
-            <a:extLst>
-              <a:ext uri="{FF2B5EF4-FFF2-40B4-BE49-F238E27FC236}">
-                <a16:creationId xmlns:a16="http://schemas.microsoft.com/office/drawing/2014/main" id="{F2242A95-DF7E-4F93-9F1C-AF0F1E008707}"/>
+          <p:cNvPr id="10" name="Овал 9">
+            <a:extLst>
+              <a:ext uri="{FF2B5EF4-FFF2-40B4-BE49-F238E27FC236}">
+                <a16:creationId xmlns:a16="http://schemas.microsoft.com/office/drawing/2014/main" id="{8FCB0373-2DD3-47E4-B7CD-74A5BE663FF6}"/>
               </a:ext>
             </a:extLst>
           </p:cNvPr>
@@ -7561,16 +7876,16 @@
       </p:sp>
       <p:cxnSp>
         <p:nvCxnSpPr>
-          <p:cNvPr id="8" name="Прямая соединительная линия 7">
-            <a:extLst>
-              <a:ext uri="{FF2B5EF4-FFF2-40B4-BE49-F238E27FC236}">
-                <a16:creationId xmlns:a16="http://schemas.microsoft.com/office/drawing/2014/main" id="{2B147433-66CE-41AE-936A-04599C246104}"/>
+          <p:cNvPr id="11" name="Прямая соединительная линия 10">
+            <a:extLst>
+              <a:ext uri="{FF2B5EF4-FFF2-40B4-BE49-F238E27FC236}">
+                <a16:creationId xmlns:a16="http://schemas.microsoft.com/office/drawing/2014/main" id="{E3DE3AE4-C4E1-48E5-A5FD-6C4C2037233E}"/>
               </a:ext>
             </a:extLst>
           </p:cNvPr>
           <p:cNvCxnSpPr>
             <a:cxnSpLocks/>
-            <a:stCxn id="7" idx="4"/>
+            <a:stCxn id="10" idx="4"/>
           </p:cNvCxnSpPr>
           <p:nvPr/>
         </p:nvCxnSpPr>
@@ -7606,81 +7921,25 @@
           </a:fontRef>
         </p:style>
       </p:cxnSp>
-      <p:sp>
-        <p:nvSpPr>
-          <p:cNvPr id="9" name="Овал 8">
-            <a:extLst>
-              <a:ext uri="{FF2B5EF4-FFF2-40B4-BE49-F238E27FC236}">
-                <a16:creationId xmlns:a16="http://schemas.microsoft.com/office/drawing/2014/main" id="{B589F033-389F-4D7A-A8EC-201B881DD7F6}"/>
-              </a:ext>
-            </a:extLst>
-          </p:cNvPr>
-          <p:cNvSpPr/>
-          <p:nvPr/>
-        </p:nvSpPr>
-        <p:spPr>
-          <a:xfrm>
-            <a:off x="173255" y="26373"/>
-            <a:ext cx="203209" cy="203209"/>
-          </a:xfrm>
-          <a:prstGeom prst="ellipse">
-            <a:avLst/>
-          </a:prstGeom>
-          <a:solidFill>
-            <a:schemeClr val="tx1">
-              <a:lumMod val="85000"/>
-              <a:lumOff val="15000"/>
-            </a:schemeClr>
-          </a:solidFill>
-          <a:ln w="57150">
-            <a:solidFill>
-              <a:schemeClr val="bg1"/>
-            </a:solidFill>
-          </a:ln>
-        </p:spPr>
-        <p:style>
-          <a:lnRef idx="2">
-            <a:schemeClr val="accent1">
-              <a:shade val="50000"/>
-            </a:schemeClr>
-          </a:lnRef>
-          <a:fillRef idx="1">
-            <a:schemeClr val="accent1"/>
-          </a:fillRef>
-          <a:effectRef idx="0">
-            <a:schemeClr val="accent1"/>
-          </a:effectRef>
-          <a:fontRef idx="minor">
-            <a:schemeClr val="lt1"/>
-          </a:fontRef>
-        </p:style>
-        <p:txBody>
-          <a:bodyPr rtlCol="0" anchor="ctr"/>
-          <a:lstStyle/>
-          <a:p>
-            <a:pPr algn="ctr"/>
-            <a:endParaRPr lang="ru-RU" dirty="0"/>
-          </a:p>
-        </p:txBody>
-      </p:sp>
       <p:cxnSp>
         <p:nvCxnSpPr>
-          <p:cNvPr id="10" name="Прямая соединительная линия 9">
-            <a:extLst>
-              <a:ext uri="{FF2B5EF4-FFF2-40B4-BE49-F238E27FC236}">
-                <a16:creationId xmlns:a16="http://schemas.microsoft.com/office/drawing/2014/main" id="{C7EECB78-013D-43F9-9DEB-077C2FDECA1A}"/>
+          <p:cNvPr id="12" name="Прямая соединительная линия 11">
+            <a:extLst>
+              <a:ext uri="{FF2B5EF4-FFF2-40B4-BE49-F238E27FC236}">
+                <a16:creationId xmlns:a16="http://schemas.microsoft.com/office/drawing/2014/main" id="{EC3889CE-AEFB-462D-ABA1-857CBD659CB2}"/>
               </a:ext>
             </a:extLst>
           </p:cNvPr>
           <p:cNvCxnSpPr>
-            <a:stCxn id="9" idx="0"/>
+            <a:cxnSpLocks/>
+            <a:stCxn id="10" idx="0"/>
           </p:cNvCxnSpPr>
           <p:nvPr/>
         </p:nvCxnSpPr>
         <p:spPr>
-          <a:xfrm flipH="1" flipV="1">
-            <a:off x="274859" y="-163629"/>
-            <a:ext cx="1" cy="190002"/>
+          <a:xfrm flipV="1">
+            <a:off x="274860" y="-163629"/>
+            <a:ext cx="0" cy="824020"/>
           </a:xfrm>
           <a:prstGeom prst="line">
             <a:avLst/>
@@ -7712,7 +7971,7 @@
     </p:spTree>
     <p:extLst>
       <p:ext uri="{BB962C8B-B14F-4D97-AF65-F5344CB8AC3E}">
-        <p14:creationId xmlns:p14="http://schemas.microsoft.com/office/powerpoint/2010/main" val="2342878483"/>
+        <p14:creationId xmlns:p14="http://schemas.microsoft.com/office/powerpoint/2010/main" val="246898641"/>
       </p:ext>
     </p:extLst>
   </p:cSld>
@@ -7741,10 +8000,10 @@
       </p:grpSpPr>
       <p:pic>
         <p:nvPicPr>
-          <p:cNvPr id="2" name="Рисунок 1">
-            <a:extLst>
-              <a:ext uri="{FF2B5EF4-FFF2-40B4-BE49-F238E27FC236}">
-                <a16:creationId xmlns:a16="http://schemas.microsoft.com/office/drawing/2014/main" id="{53A6EF26-7CEC-48D8-96A4-5FF3D3A9EAE3}"/>
+          <p:cNvPr id="3" name="Рисунок 2">
+            <a:extLst>
+              <a:ext uri="{FF2B5EF4-FFF2-40B4-BE49-F238E27FC236}">
+                <a16:creationId xmlns:a16="http://schemas.microsoft.com/office/drawing/2014/main" id="{EEF61B1E-E3E6-4BDE-8B68-8E2571AF6895}"/>
               </a:ext>
             </a:extLst>
           </p:cNvPr>
@@ -7754,39 +8013,150 @@
           <p:nvPr/>
         </p:nvPicPr>
         <p:blipFill>
-          <a:blip r:embed="rId2"/>
+          <a:blip r:embed="rId2">
+            <a:extLst>
+              <a:ext uri="{28A0092B-C50C-407E-A947-70E740481C1C}">
+                <a14:useLocalDpi xmlns:a14="http://schemas.microsoft.com/office/drawing/2010/main" val="0"/>
+              </a:ext>
+            </a:extLst>
+          </a:blip>
           <a:stretch>
             <a:fillRect/>
           </a:stretch>
         </p:blipFill>
         <p:spPr>
           <a:xfrm>
-            <a:off x="1132782" y="1342734"/>
-            <a:ext cx="9926435" cy="4172532"/>
+            <a:off x="2667000" y="0"/>
+            <a:ext cx="6858000" cy="6858000"/>
           </a:xfrm>
           <a:prstGeom prst="rect">
             <a:avLst/>
           </a:prstGeom>
         </p:spPr>
       </p:pic>
+      <p:sp>
+        <p:nvSpPr>
+          <p:cNvPr id="10" name="Овал 9">
+            <a:extLst>
+              <a:ext uri="{FF2B5EF4-FFF2-40B4-BE49-F238E27FC236}">
+                <a16:creationId xmlns:a16="http://schemas.microsoft.com/office/drawing/2014/main" id="{B553C685-F0DF-45CE-B003-654C7D49C79F}"/>
+              </a:ext>
+            </a:extLst>
+          </p:cNvPr>
+          <p:cNvSpPr/>
+          <p:nvPr/>
+        </p:nvSpPr>
+        <p:spPr>
+          <a:xfrm>
+            <a:off x="173255" y="660391"/>
+            <a:ext cx="203209" cy="203209"/>
+          </a:xfrm>
+          <a:prstGeom prst="ellipse">
+            <a:avLst/>
+          </a:prstGeom>
+          <a:solidFill>
+            <a:schemeClr val="tx1">
+              <a:lumMod val="85000"/>
+              <a:lumOff val="15000"/>
+            </a:schemeClr>
+          </a:solidFill>
+          <a:ln w="57150">
+            <a:solidFill>
+              <a:schemeClr val="bg1"/>
+            </a:solidFill>
+          </a:ln>
+        </p:spPr>
+        <p:style>
+          <a:lnRef idx="2">
+            <a:schemeClr val="accent1">
+              <a:shade val="50000"/>
+            </a:schemeClr>
+          </a:lnRef>
+          <a:fillRef idx="1">
+            <a:schemeClr val="accent1"/>
+          </a:fillRef>
+          <a:effectRef idx="0">
+            <a:schemeClr val="accent1"/>
+          </a:effectRef>
+          <a:fontRef idx="minor">
+            <a:schemeClr val="lt1"/>
+          </a:fontRef>
+        </p:style>
+        <p:txBody>
+          <a:bodyPr rtlCol="0" anchor="ctr"/>
+          <a:lstStyle/>
+          <a:p>
+            <a:pPr algn="ctr"/>
+            <a:endParaRPr lang="ru-RU"/>
+          </a:p>
+        </p:txBody>
+      </p:sp>
       <p:cxnSp>
         <p:nvCxnSpPr>
-          <p:cNvPr id="3" name="Прямая соединительная линия 2">
-            <a:extLst>
-              <a:ext uri="{FF2B5EF4-FFF2-40B4-BE49-F238E27FC236}">
-                <a16:creationId xmlns:a16="http://schemas.microsoft.com/office/drawing/2014/main" id="{20014B72-D194-44E4-9AED-F6BAE837EFAD}"/>
+          <p:cNvPr id="11" name="Прямая соединительная линия 10">
+            <a:extLst>
+              <a:ext uri="{FF2B5EF4-FFF2-40B4-BE49-F238E27FC236}">
+                <a16:creationId xmlns:a16="http://schemas.microsoft.com/office/drawing/2014/main" id="{C2091654-C1AD-4F8D-ACA1-78DE61032D87}"/>
               </a:ext>
             </a:extLst>
           </p:cNvPr>
           <p:cNvCxnSpPr>
             <a:cxnSpLocks/>
+            <a:stCxn id="10" idx="4"/>
           </p:cNvCxnSpPr>
           <p:nvPr/>
         </p:nvCxnSpPr>
         <p:spPr>
           <a:xfrm>
-            <a:off x="274860" y="-133350"/>
-            <a:ext cx="0" cy="7217544"/>
+            <a:off x="274860" y="863600"/>
+            <a:ext cx="0" cy="6220594"/>
+          </a:xfrm>
+          <a:prstGeom prst="line">
+            <a:avLst/>
+          </a:prstGeom>
+          <a:ln w="15875">
+            <a:solidFill>
+              <a:schemeClr val="tx1">
+                <a:lumMod val="85000"/>
+                <a:lumOff val="15000"/>
+              </a:schemeClr>
+            </a:solidFill>
+          </a:ln>
+        </p:spPr>
+        <p:style>
+          <a:lnRef idx="1">
+            <a:schemeClr val="accent1"/>
+          </a:lnRef>
+          <a:fillRef idx="0">
+            <a:schemeClr val="accent1"/>
+          </a:fillRef>
+          <a:effectRef idx="0">
+            <a:schemeClr val="accent1"/>
+          </a:effectRef>
+          <a:fontRef idx="minor">
+            <a:schemeClr val="tx1"/>
+          </a:fontRef>
+        </p:style>
+      </p:cxnSp>
+      <p:cxnSp>
+        <p:nvCxnSpPr>
+          <p:cNvPr id="12" name="Прямая соединительная линия 11">
+            <a:extLst>
+              <a:ext uri="{FF2B5EF4-FFF2-40B4-BE49-F238E27FC236}">
+                <a16:creationId xmlns:a16="http://schemas.microsoft.com/office/drawing/2014/main" id="{42DD00C6-94F5-41D6-97C4-5B68759A230C}"/>
+              </a:ext>
+            </a:extLst>
+          </p:cNvPr>
+          <p:cNvCxnSpPr>
+            <a:cxnSpLocks/>
+            <a:stCxn id="10" idx="0"/>
+          </p:cNvCxnSpPr>
+          <p:nvPr/>
+        </p:nvCxnSpPr>
+        <p:spPr>
+          <a:xfrm flipV="1">
+            <a:off x="274860" y="-163629"/>
+            <a:ext cx="0" cy="824020"/>
           </a:xfrm>
           <a:prstGeom prst="line">
             <a:avLst/>
@@ -7818,7 +8188,7 @@
     </p:spTree>
     <p:extLst>
       <p:ext uri="{BB962C8B-B14F-4D97-AF65-F5344CB8AC3E}">
-        <p14:creationId xmlns:p14="http://schemas.microsoft.com/office/powerpoint/2010/main" val="3612083526"/>
+        <p14:creationId xmlns:p14="http://schemas.microsoft.com/office/powerpoint/2010/main" val="1811296740"/>
       </p:ext>
     </p:extLst>
   </p:cSld>
@@ -7850,7 +8220,7 @@
           <p:cNvPr id="2" name="Рисунок 1">
             <a:extLst>
               <a:ext uri="{FF2B5EF4-FFF2-40B4-BE49-F238E27FC236}">
-                <a16:creationId xmlns:a16="http://schemas.microsoft.com/office/drawing/2014/main" id="{9471DED4-D12A-424C-A518-251AEED9856A}"/>
+                <a16:creationId xmlns:a16="http://schemas.microsoft.com/office/drawing/2014/main" id="{53A6EF26-7CEC-48D8-96A4-5FF3D3A9EAE3}"/>
               </a:ext>
             </a:extLst>
           </p:cNvPr>
@@ -7867,8 +8237,8 @@
         </p:blipFill>
         <p:spPr>
           <a:xfrm>
-            <a:off x="2369294" y="0"/>
-            <a:ext cx="7453412" cy="6858000"/>
+            <a:off x="1132782" y="1342734"/>
+            <a:ext cx="9926435" cy="4172532"/>
           </a:xfrm>
           <a:prstGeom prst="rect">
             <a:avLst/>
@@ -7880,7 +8250,7 @@
           <p:cNvPr id="3" name="Прямая соединительная линия 2">
             <a:extLst>
               <a:ext uri="{FF2B5EF4-FFF2-40B4-BE49-F238E27FC236}">
-                <a16:creationId xmlns:a16="http://schemas.microsoft.com/office/drawing/2014/main" id="{284B9455-8179-4C65-AF02-D116EEEAF968}"/>
+                <a16:creationId xmlns:a16="http://schemas.microsoft.com/office/drawing/2014/main" id="{20014B72-D194-44E4-9AED-F6BAE837EFAD}"/>
               </a:ext>
             </a:extLst>
           </p:cNvPr>
@@ -7924,7 +8294,7 @@
     </p:spTree>
     <p:extLst>
       <p:ext uri="{BB962C8B-B14F-4D97-AF65-F5344CB8AC3E}">
-        <p14:creationId xmlns:p14="http://schemas.microsoft.com/office/powerpoint/2010/main" val="2015969433"/>
+        <p14:creationId xmlns:p14="http://schemas.microsoft.com/office/powerpoint/2010/main" val="3612083526"/>
       </p:ext>
     </p:extLst>
   </p:cSld>
@@ -7956,7 +8326,7 @@
           <p:cNvPr id="2" name="Рисунок 1">
             <a:extLst>
               <a:ext uri="{FF2B5EF4-FFF2-40B4-BE49-F238E27FC236}">
-                <a16:creationId xmlns:a16="http://schemas.microsoft.com/office/drawing/2014/main" id="{CB7C4604-80C8-4687-8966-D3BF048A6165}"/>
+                <a16:creationId xmlns:a16="http://schemas.microsoft.com/office/drawing/2014/main" id="{9471DED4-D12A-424C-A518-251AEED9856A}"/>
               </a:ext>
             </a:extLst>
           </p:cNvPr>
@@ -7973,8 +8343,8 @@
         </p:blipFill>
         <p:spPr>
           <a:xfrm>
-            <a:off x="2758294" y="0"/>
-            <a:ext cx="6675412" cy="6858000"/>
+            <a:off x="2369294" y="0"/>
+            <a:ext cx="7453412" cy="6858000"/>
           </a:xfrm>
           <a:prstGeom prst="rect">
             <a:avLst/>
@@ -7986,7 +8356,7 @@
           <p:cNvPr id="3" name="Прямая соединительная линия 2">
             <a:extLst>
               <a:ext uri="{FF2B5EF4-FFF2-40B4-BE49-F238E27FC236}">
-                <a16:creationId xmlns:a16="http://schemas.microsoft.com/office/drawing/2014/main" id="{BBEC7CE2-C326-4210-844A-52634990CCA8}"/>
+                <a16:creationId xmlns:a16="http://schemas.microsoft.com/office/drawing/2014/main" id="{284B9455-8179-4C65-AF02-D116EEEAF968}"/>
               </a:ext>
             </a:extLst>
           </p:cNvPr>
@@ -8030,7 +8400,7 @@
     </p:spTree>
     <p:extLst>
       <p:ext uri="{BB962C8B-B14F-4D97-AF65-F5344CB8AC3E}">
-        <p14:creationId xmlns:p14="http://schemas.microsoft.com/office/powerpoint/2010/main" val="1006276863"/>
+        <p14:creationId xmlns:p14="http://schemas.microsoft.com/office/powerpoint/2010/main" val="2015969433"/>
       </p:ext>
     </p:extLst>
   </p:cSld>
@@ -8062,7 +8432,7 @@
           <p:cNvPr id="2" name="Рисунок 1">
             <a:extLst>
               <a:ext uri="{FF2B5EF4-FFF2-40B4-BE49-F238E27FC236}">
-                <a16:creationId xmlns:a16="http://schemas.microsoft.com/office/drawing/2014/main" id="{D67DBDDE-9CD1-4A89-AFD0-0C4417F4F9E0}"/>
+                <a16:creationId xmlns:a16="http://schemas.microsoft.com/office/drawing/2014/main" id="{CB7C4604-80C8-4687-8966-D3BF048A6165}"/>
               </a:ext>
             </a:extLst>
           </p:cNvPr>
@@ -8079,8 +8449,8 @@
         </p:blipFill>
         <p:spPr>
           <a:xfrm>
-            <a:off x="2730569" y="0"/>
-            <a:ext cx="6730861" cy="6858000"/>
+            <a:off x="2758294" y="0"/>
+            <a:ext cx="6675412" cy="6858000"/>
           </a:xfrm>
           <a:prstGeom prst="rect">
             <a:avLst/>
@@ -8092,7 +8462,7 @@
           <p:cNvPr id="3" name="Прямая соединительная линия 2">
             <a:extLst>
               <a:ext uri="{FF2B5EF4-FFF2-40B4-BE49-F238E27FC236}">
-                <a16:creationId xmlns:a16="http://schemas.microsoft.com/office/drawing/2014/main" id="{38DCE42F-636B-4610-84FB-019D36C90BF7}"/>
+                <a16:creationId xmlns:a16="http://schemas.microsoft.com/office/drawing/2014/main" id="{BBEC7CE2-C326-4210-844A-52634990CCA8}"/>
               </a:ext>
             </a:extLst>
           </p:cNvPr>
@@ -8136,7 +8506,7 @@
     </p:spTree>
     <p:extLst>
       <p:ext uri="{BB962C8B-B14F-4D97-AF65-F5344CB8AC3E}">
-        <p14:creationId xmlns:p14="http://schemas.microsoft.com/office/powerpoint/2010/main" val="3993003103"/>
+        <p14:creationId xmlns:p14="http://schemas.microsoft.com/office/powerpoint/2010/main" val="1006276863"/>
       </p:ext>
     </p:extLst>
   </p:cSld>
@@ -8168,7 +8538,7 @@
           <p:cNvPr id="2" name="Рисунок 1">
             <a:extLst>
               <a:ext uri="{FF2B5EF4-FFF2-40B4-BE49-F238E27FC236}">
-                <a16:creationId xmlns:a16="http://schemas.microsoft.com/office/drawing/2014/main" id="{E6B9D5E6-D518-475D-9B9D-F2F6706135BC}"/>
+                <a16:creationId xmlns:a16="http://schemas.microsoft.com/office/drawing/2014/main" id="{D67DBDDE-9CD1-4A89-AFD0-0C4417F4F9E0}"/>
               </a:ext>
             </a:extLst>
           </p:cNvPr>
@@ -8185,8 +8555,8 @@
         </p:blipFill>
         <p:spPr>
           <a:xfrm>
-            <a:off x="1309019" y="151942"/>
-            <a:ext cx="9573961" cy="6554115"/>
+            <a:off x="2730569" y="0"/>
+            <a:ext cx="6730861" cy="6858000"/>
           </a:xfrm>
           <a:prstGeom prst="rect">
             <a:avLst/>
@@ -8198,7 +8568,7 @@
           <p:cNvPr id="3" name="Прямая соединительная линия 2">
             <a:extLst>
               <a:ext uri="{FF2B5EF4-FFF2-40B4-BE49-F238E27FC236}">
-                <a16:creationId xmlns:a16="http://schemas.microsoft.com/office/drawing/2014/main" id="{E922F73B-C13C-42CD-818E-C06721BEFDB2}"/>
+                <a16:creationId xmlns:a16="http://schemas.microsoft.com/office/drawing/2014/main" id="{38DCE42F-636B-4610-84FB-019D36C90BF7}"/>
               </a:ext>
             </a:extLst>
           </p:cNvPr>
@@ -8242,7 +8612,7 @@
     </p:spTree>
     <p:extLst>
       <p:ext uri="{BB962C8B-B14F-4D97-AF65-F5344CB8AC3E}">
-        <p14:creationId xmlns:p14="http://schemas.microsoft.com/office/powerpoint/2010/main" val="4022803890"/>
+        <p14:creationId xmlns:p14="http://schemas.microsoft.com/office/powerpoint/2010/main" val="3993003103"/>
       </p:ext>
     </p:extLst>
   </p:cSld>
@@ -8274,7 +8644,7 @@
           <p:cNvPr id="2" name="Рисунок 1">
             <a:extLst>
               <a:ext uri="{FF2B5EF4-FFF2-40B4-BE49-F238E27FC236}">
-                <a16:creationId xmlns:a16="http://schemas.microsoft.com/office/drawing/2014/main" id="{982EF4CD-3905-4F5E-8DF0-D598FD9FF391}"/>
+                <a16:creationId xmlns:a16="http://schemas.microsoft.com/office/drawing/2014/main" id="{E6B9D5E6-D518-475D-9B9D-F2F6706135BC}"/>
               </a:ext>
             </a:extLst>
           </p:cNvPr>
@@ -8291,8 +8661,8 @@
         </p:blipFill>
         <p:spPr>
           <a:xfrm>
-            <a:off x="1876056" y="0"/>
-            <a:ext cx="8439887" cy="6858000"/>
+            <a:off x="1309019" y="151942"/>
+            <a:ext cx="9573961" cy="6554115"/>
           </a:xfrm>
           <a:prstGeom prst="rect">
             <a:avLst/>
@@ -8304,7 +8674,7 @@
           <p:cNvPr id="3" name="Прямая соединительная линия 2">
             <a:extLst>
               <a:ext uri="{FF2B5EF4-FFF2-40B4-BE49-F238E27FC236}">
-                <a16:creationId xmlns:a16="http://schemas.microsoft.com/office/drawing/2014/main" id="{33525DDA-C92D-4AF1-80C3-602F9B685AD5}"/>
+                <a16:creationId xmlns:a16="http://schemas.microsoft.com/office/drawing/2014/main" id="{E922F73B-C13C-42CD-818E-C06721BEFDB2}"/>
               </a:ext>
             </a:extLst>
           </p:cNvPr>
@@ -8348,7 +8718,7 @@
     </p:spTree>
     <p:extLst>
       <p:ext uri="{BB962C8B-B14F-4D97-AF65-F5344CB8AC3E}">
-        <p14:creationId xmlns:p14="http://schemas.microsoft.com/office/powerpoint/2010/main" val="3208674965"/>
+        <p14:creationId xmlns:p14="http://schemas.microsoft.com/office/powerpoint/2010/main" val="4022803890"/>
       </p:ext>
     </p:extLst>
   </p:cSld>
@@ -8380,7 +8750,7 @@
           <p:cNvPr id="2" name="Рисунок 1">
             <a:extLst>
               <a:ext uri="{FF2B5EF4-FFF2-40B4-BE49-F238E27FC236}">
-                <a16:creationId xmlns:a16="http://schemas.microsoft.com/office/drawing/2014/main" id="{63CE375E-7E14-4D34-8DF8-281CC834B19F}"/>
+                <a16:creationId xmlns:a16="http://schemas.microsoft.com/office/drawing/2014/main" id="{982EF4CD-3905-4F5E-8DF0-D598FD9FF391}"/>
               </a:ext>
             </a:extLst>
           </p:cNvPr>
@@ -8397,8 +8767,8 @@
         </p:blipFill>
         <p:spPr>
           <a:xfrm>
-            <a:off x="1790549" y="0"/>
-            <a:ext cx="8610901" cy="6858000"/>
+            <a:off x="1876056" y="0"/>
+            <a:ext cx="8439887" cy="6858000"/>
           </a:xfrm>
           <a:prstGeom prst="rect">
             <a:avLst/>
@@ -8410,7 +8780,7 @@
           <p:cNvPr id="3" name="Прямая соединительная линия 2">
             <a:extLst>
               <a:ext uri="{FF2B5EF4-FFF2-40B4-BE49-F238E27FC236}">
-                <a16:creationId xmlns:a16="http://schemas.microsoft.com/office/drawing/2014/main" id="{AA7A0F46-9F11-4AB7-85E9-768D4312336C}"/>
+                <a16:creationId xmlns:a16="http://schemas.microsoft.com/office/drawing/2014/main" id="{33525DDA-C92D-4AF1-80C3-602F9B685AD5}"/>
               </a:ext>
             </a:extLst>
           </p:cNvPr>
@@ -8454,7 +8824,7 @@
     </p:spTree>
     <p:extLst>
       <p:ext uri="{BB962C8B-B14F-4D97-AF65-F5344CB8AC3E}">
-        <p14:creationId xmlns:p14="http://schemas.microsoft.com/office/powerpoint/2010/main" val="1904919400"/>
+        <p14:creationId xmlns:p14="http://schemas.microsoft.com/office/powerpoint/2010/main" val="3208674965"/>
       </p:ext>
     </p:extLst>
   </p:cSld>
@@ -9444,7 +9814,7 @@
           <p:cNvPr id="2" name="Рисунок 1">
             <a:extLst>
               <a:ext uri="{FF2B5EF4-FFF2-40B4-BE49-F238E27FC236}">
-                <a16:creationId xmlns:a16="http://schemas.microsoft.com/office/drawing/2014/main" id="{1ABBA704-101F-4C0C-87BB-21E24728BDA6}"/>
+                <a16:creationId xmlns:a16="http://schemas.microsoft.com/office/drawing/2014/main" id="{63CE375E-7E14-4D34-8DF8-281CC834B19F}"/>
               </a:ext>
             </a:extLst>
           </p:cNvPr>
@@ -9461,8 +9831,8 @@
         </p:blipFill>
         <p:spPr>
           <a:xfrm>
-            <a:off x="2090057" y="0"/>
-            <a:ext cx="8011886" cy="6858000"/>
+            <a:off x="1790549" y="0"/>
+            <a:ext cx="8610901" cy="6858000"/>
           </a:xfrm>
           <a:prstGeom prst="rect">
             <a:avLst/>
@@ -9474,7 +9844,7 @@
           <p:cNvPr id="3" name="Прямая соединительная линия 2">
             <a:extLst>
               <a:ext uri="{FF2B5EF4-FFF2-40B4-BE49-F238E27FC236}">
-                <a16:creationId xmlns:a16="http://schemas.microsoft.com/office/drawing/2014/main" id="{2CF042EB-88E0-41DB-9EC9-5E6F3ABBFCAA}"/>
+                <a16:creationId xmlns:a16="http://schemas.microsoft.com/office/drawing/2014/main" id="{AA7A0F46-9F11-4AB7-85E9-768D4312336C}"/>
               </a:ext>
             </a:extLst>
           </p:cNvPr>
@@ -9518,7 +9888,7 @@
     </p:spTree>
     <p:extLst>
       <p:ext uri="{BB962C8B-B14F-4D97-AF65-F5344CB8AC3E}">
-        <p14:creationId xmlns:p14="http://schemas.microsoft.com/office/powerpoint/2010/main" val="2242182964"/>
+        <p14:creationId xmlns:p14="http://schemas.microsoft.com/office/powerpoint/2010/main" val="1904919400"/>
       </p:ext>
     </p:extLst>
   </p:cSld>
@@ -9547,10 +9917,10 @@
       </p:grpSpPr>
       <p:pic>
         <p:nvPicPr>
-          <p:cNvPr id="8" name="Рисунок 7">
-            <a:extLst>
-              <a:ext uri="{FF2B5EF4-FFF2-40B4-BE49-F238E27FC236}">
-                <a16:creationId xmlns:a16="http://schemas.microsoft.com/office/drawing/2014/main" id="{278895AB-7356-41CB-B2C7-4D9374986509}"/>
+          <p:cNvPr id="2" name="Рисунок 1">
+            <a:extLst>
+              <a:ext uri="{FF2B5EF4-FFF2-40B4-BE49-F238E27FC236}">
+                <a16:creationId xmlns:a16="http://schemas.microsoft.com/office/drawing/2014/main" id="{1ABBA704-101F-4C0C-87BB-21E24728BDA6}"/>
               </a:ext>
             </a:extLst>
           </p:cNvPr>
@@ -9567,18 +9937,64 @@
         </p:blipFill>
         <p:spPr>
           <a:xfrm>
-            <a:off x="0" y="0"/>
-            <a:ext cx="12192000" cy="6858000"/>
+            <a:off x="2090057" y="0"/>
+            <a:ext cx="8011886" cy="6858000"/>
           </a:xfrm>
           <a:prstGeom prst="rect">
             <a:avLst/>
           </a:prstGeom>
         </p:spPr>
       </p:pic>
+      <p:cxnSp>
+        <p:nvCxnSpPr>
+          <p:cNvPr id="3" name="Прямая соединительная линия 2">
+            <a:extLst>
+              <a:ext uri="{FF2B5EF4-FFF2-40B4-BE49-F238E27FC236}">
+                <a16:creationId xmlns:a16="http://schemas.microsoft.com/office/drawing/2014/main" id="{2CF042EB-88E0-41DB-9EC9-5E6F3ABBFCAA}"/>
+              </a:ext>
+            </a:extLst>
+          </p:cNvPr>
+          <p:cNvCxnSpPr>
+            <a:cxnSpLocks/>
+          </p:cNvCxnSpPr>
+          <p:nvPr/>
+        </p:nvCxnSpPr>
+        <p:spPr>
+          <a:xfrm>
+            <a:off x="274860" y="-133350"/>
+            <a:ext cx="0" cy="7217544"/>
+          </a:xfrm>
+          <a:prstGeom prst="line">
+            <a:avLst/>
+          </a:prstGeom>
+          <a:ln w="15875">
+            <a:solidFill>
+              <a:schemeClr val="tx1">
+                <a:lumMod val="85000"/>
+                <a:lumOff val="15000"/>
+              </a:schemeClr>
+            </a:solidFill>
+          </a:ln>
+        </p:spPr>
+        <p:style>
+          <a:lnRef idx="1">
+            <a:schemeClr val="accent1"/>
+          </a:lnRef>
+          <a:fillRef idx="0">
+            <a:schemeClr val="accent1"/>
+          </a:fillRef>
+          <a:effectRef idx="0">
+            <a:schemeClr val="accent1"/>
+          </a:effectRef>
+          <a:fontRef idx="minor">
+            <a:schemeClr val="tx1"/>
+          </a:fontRef>
+        </p:style>
+      </p:cxnSp>
     </p:spTree>
     <p:extLst>
       <p:ext uri="{BB962C8B-B14F-4D97-AF65-F5344CB8AC3E}">
-        <p14:creationId xmlns:p14="http://schemas.microsoft.com/office/powerpoint/2010/main" val="410696505"/>
+        <p14:creationId xmlns:p14="http://schemas.microsoft.com/office/powerpoint/2010/main" val="2242182964"/>
       </p:ext>
     </p:extLst>
   </p:cSld>
@@ -9607,10 +10023,10 @@
       </p:grpSpPr>
       <p:pic>
         <p:nvPicPr>
-          <p:cNvPr id="2" name="Рисунок 1">
-            <a:extLst>
-              <a:ext uri="{FF2B5EF4-FFF2-40B4-BE49-F238E27FC236}">
-                <a16:creationId xmlns:a16="http://schemas.microsoft.com/office/drawing/2014/main" id="{85B02048-4059-4022-B26E-922633CB78C3}"/>
+          <p:cNvPr id="8" name="Рисунок 7">
+            <a:extLst>
+              <a:ext uri="{FF2B5EF4-FFF2-40B4-BE49-F238E27FC236}">
+                <a16:creationId xmlns:a16="http://schemas.microsoft.com/office/drawing/2014/main" id="{278895AB-7356-41CB-B2C7-4D9374986509}"/>
               </a:ext>
             </a:extLst>
           </p:cNvPr>
@@ -9638,7 +10054,7 @@
     </p:spTree>
     <p:extLst>
       <p:ext uri="{BB962C8B-B14F-4D97-AF65-F5344CB8AC3E}">
-        <p14:creationId xmlns:p14="http://schemas.microsoft.com/office/powerpoint/2010/main" val="1746986955"/>
+        <p14:creationId xmlns:p14="http://schemas.microsoft.com/office/powerpoint/2010/main" val="410696505"/>
       </p:ext>
     </p:extLst>
   </p:cSld>
@@ -9670,6 +10086,66 @@
           <p:cNvPr id="2" name="Рисунок 1">
             <a:extLst>
               <a:ext uri="{FF2B5EF4-FFF2-40B4-BE49-F238E27FC236}">
+                <a16:creationId xmlns:a16="http://schemas.microsoft.com/office/drawing/2014/main" id="{85B02048-4059-4022-B26E-922633CB78C3}"/>
+              </a:ext>
+            </a:extLst>
+          </p:cNvPr>
+          <p:cNvPicPr>
+            <a:picLocks noChangeAspect="1"/>
+          </p:cNvPicPr>
+          <p:nvPr/>
+        </p:nvPicPr>
+        <p:blipFill>
+          <a:blip r:embed="rId2"/>
+          <a:stretch>
+            <a:fillRect/>
+          </a:stretch>
+        </p:blipFill>
+        <p:spPr>
+          <a:xfrm>
+            <a:off x="0" y="0"/>
+            <a:ext cx="12192000" cy="6858000"/>
+          </a:xfrm>
+          <a:prstGeom prst="rect">
+            <a:avLst/>
+          </a:prstGeom>
+        </p:spPr>
+      </p:pic>
+    </p:spTree>
+    <p:extLst>
+      <p:ext uri="{BB962C8B-B14F-4D97-AF65-F5344CB8AC3E}">
+        <p14:creationId xmlns:p14="http://schemas.microsoft.com/office/powerpoint/2010/main" val="1746986955"/>
+      </p:ext>
+    </p:extLst>
+  </p:cSld>
+  <p:clrMapOvr>
+    <a:masterClrMapping/>
+  </p:clrMapOvr>
+</p:sld>
+</file>
+
+<file path=ppt/slides/slide34.xml><?xml version="1.0" encoding="utf-8"?>
+<p:sld xmlns:a="http://schemas.openxmlformats.org/drawingml/2006/main" xmlns:r="http://schemas.openxmlformats.org/officeDocument/2006/relationships" xmlns:p="http://schemas.openxmlformats.org/presentationml/2006/main">
+  <p:cSld>
+    <p:spTree>
+      <p:nvGrpSpPr>
+        <p:cNvPr id="1" name=""/>
+        <p:cNvGrpSpPr/>
+        <p:nvPr/>
+      </p:nvGrpSpPr>
+      <p:grpSpPr>
+        <a:xfrm>
+          <a:off x="0" y="0"/>
+          <a:ext cx="0" cy="0"/>
+          <a:chOff x="0" y="0"/>
+          <a:chExt cx="0" cy="0"/>
+        </a:xfrm>
+      </p:grpSpPr>
+      <p:pic>
+        <p:nvPicPr>
+          <p:cNvPr id="2" name="Рисунок 1">
+            <a:extLst>
+              <a:ext uri="{FF2B5EF4-FFF2-40B4-BE49-F238E27FC236}">
                 <a16:creationId xmlns:a16="http://schemas.microsoft.com/office/drawing/2014/main" id="{D7745A40-D003-4F12-93A4-8F51CB407EE6}"/>
               </a:ext>
             </a:extLst>
@@ -9708,7 +10184,7 @@
 </p:sld>
 </file>
 
-<file path=ppt/slides/slide34.xml><?xml version="1.0" encoding="utf-8"?>
+<file path=ppt/slides/slide35.xml><?xml version="1.0" encoding="utf-8"?>
 <p:sld xmlns:a="http://schemas.openxmlformats.org/drawingml/2006/main" xmlns:r="http://schemas.openxmlformats.org/officeDocument/2006/relationships" xmlns:p="http://schemas.openxmlformats.org/presentationml/2006/main">
   <p:cSld>
     <p:spTree>
@@ -11177,7 +11653,7 @@
 </p:sld>
 </file>
 
-<file path=ppt/slides/slide35.xml><?xml version="1.0" encoding="utf-8"?>
+<file path=ppt/slides/slide36.xml><?xml version="1.0" encoding="utf-8"?>
 <p:sld xmlns:a="http://schemas.openxmlformats.org/drawingml/2006/main" xmlns:r="http://schemas.openxmlformats.org/officeDocument/2006/relationships" xmlns:p="http://schemas.openxmlformats.org/presentationml/2006/main">
   <p:cSld>
     <p:spTree>
@@ -15035,354 +15511,67 @@
           <a:chExt cx="0" cy="0"/>
         </a:xfrm>
       </p:grpSpPr>
-      <p:pic>
-        <p:nvPicPr>
-          <p:cNvPr id="12" name="Рисунок 11">
-            <a:extLst>
-              <a:ext uri="{FF2B5EF4-FFF2-40B4-BE49-F238E27FC236}">
-                <a16:creationId xmlns:a16="http://schemas.microsoft.com/office/drawing/2014/main" id="{8B08ADC8-6353-44E9-93F9-AEB0E6AB5648}"/>
-              </a:ext>
-            </a:extLst>
-          </p:cNvPr>
-          <p:cNvPicPr>
-            <a:picLocks noChangeAspect="1"/>
-          </p:cNvPicPr>
-          <p:nvPr/>
-        </p:nvPicPr>
-        <p:blipFill rotWithShape="1">
-          <a:blip r:embed="rId2">
-            <a:extLst>
-              <a:ext uri="{28A0092B-C50C-407E-A947-70E740481C1C}">
-                <a14:useLocalDpi xmlns:a14="http://schemas.microsoft.com/office/drawing/2010/main" val="0"/>
-              </a:ext>
-            </a:extLst>
-          </a:blip>
-          <a:srcRect l="800" t="1396" r="587" b="1334"/>
-          <a:stretch/>
-        </p:blipFill>
-        <p:spPr>
-          <a:xfrm>
-            <a:off x="376464" y="156754"/>
-            <a:ext cx="11695611" cy="6670766"/>
-          </a:xfrm>
-          <a:prstGeom prst="rect">
-            <a:avLst/>
-          </a:prstGeom>
-        </p:spPr>
-      </p:pic>
-      <p:sp>
-        <p:nvSpPr>
-          <p:cNvPr id="5" name="Rectangle: Rounded Corners 3">
-            <a:extLst>
-              <a:ext uri="{FF2B5EF4-FFF2-40B4-BE49-F238E27FC236}">
-                <a16:creationId xmlns:a16="http://schemas.microsoft.com/office/drawing/2014/main" id="{EF86A53B-6B5F-4E0D-8217-341A6EC7E9F7}"/>
-              </a:ext>
-            </a:extLst>
-          </p:cNvPr>
-          <p:cNvSpPr/>
-          <p:nvPr/>
-        </p:nvSpPr>
-        <p:spPr>
-          <a:xfrm>
-            <a:off x="-113212" y="156754"/>
-            <a:ext cx="4893229" cy="566057"/>
-          </a:xfrm>
-          <a:prstGeom prst="roundRect">
-            <a:avLst/>
-          </a:prstGeom>
-          <a:solidFill>
-            <a:srgbClr val="303030"/>
-          </a:solidFill>
-        </p:spPr>
-        <p:style>
-          <a:lnRef idx="2">
-            <a:schemeClr val="accent1">
-              <a:shade val="50000"/>
-            </a:schemeClr>
-          </a:lnRef>
-          <a:fillRef idx="1">
-            <a:schemeClr val="accent1"/>
-          </a:fillRef>
-          <a:effectRef idx="0">
-            <a:schemeClr val="accent1"/>
-          </a:effectRef>
-          <a:fontRef idx="minor">
-            <a:schemeClr val="lt1"/>
-          </a:fontRef>
-        </p:style>
-        <p:txBody>
-          <a:bodyPr rtlCol="0" anchor="ctr"/>
-          <a:lstStyle/>
-          <a:p>
-            <a:pPr algn="ctr"/>
-            <a:endParaRPr lang="en-US"/>
-          </a:p>
-        </p:txBody>
-      </p:sp>
-      <p:sp>
-        <p:nvSpPr>
-          <p:cNvPr id="6" name="TextBox 5">
-            <a:extLst>
-              <a:ext uri="{FF2B5EF4-FFF2-40B4-BE49-F238E27FC236}">
-                <a16:creationId xmlns:a16="http://schemas.microsoft.com/office/drawing/2014/main" id="{33B0AF43-E804-41A8-A483-1CB1E1CCC6CE}"/>
-              </a:ext>
-            </a:extLst>
-          </p:cNvPr>
-          <p:cNvSpPr txBox="1"/>
-          <p:nvPr/>
-        </p:nvSpPr>
-        <p:spPr>
-          <a:xfrm>
-            <a:off x="0" y="205974"/>
-            <a:ext cx="4780029" cy="461665"/>
-          </a:xfrm>
-          <a:prstGeom prst="rect">
-            <a:avLst/>
-          </a:prstGeom>
-          <a:noFill/>
-        </p:spPr>
-        <p:txBody>
-          <a:bodyPr wrap="square" rtlCol="0">
-            <a:spAutoFit/>
-          </a:bodyPr>
+      <p:sp>
+        <p:nvSpPr>
+          <p:cNvPr id="2" name="Заголовок 1">
+            <a:extLst>
+              <a:ext uri="{FF2B5EF4-FFF2-40B4-BE49-F238E27FC236}">
+                <a16:creationId xmlns:a16="http://schemas.microsoft.com/office/drawing/2014/main" id="{35F6DC69-091E-4765-81AB-88ADCC77F10D}"/>
+              </a:ext>
+            </a:extLst>
+          </p:cNvPr>
+          <p:cNvSpPr>
+            <a:spLocks noGrp="1"/>
+          </p:cNvSpPr>
+          <p:nvPr>
+            <p:ph type="title"/>
+          </p:nvPr>
+        </p:nvSpPr>
+        <p:spPr/>
+        <p:txBody>
+          <a:bodyPr/>
           <a:lstStyle/>
           <a:p>
             <a:r>
-              <a:rPr lang="en-US" sz="2400" dirty="0">
-                <a:solidFill>
-                  <a:schemeClr val="bg1">
-                    <a:lumMod val="95000"/>
-                  </a:schemeClr>
-                </a:solidFill>
-                <a:latin typeface="Bahnschrift SemiBold" panose="020B0502040204020203" pitchFamily="34" charset="0"/>
-              </a:rPr>
-              <a:t>UML </a:t>
+              <a:rPr lang="ru-RU" dirty="0"/>
+              <a:t>Этапы </a:t>
             </a:r>
             <a:r>
-              <a:rPr lang="ru-RU" sz="2400" dirty="0">
-                <a:solidFill>
-                  <a:schemeClr val="bg1">
-                    <a:lumMod val="95000"/>
-                  </a:schemeClr>
-                </a:solidFill>
-                <a:latin typeface="Bahnschrift SemiBold" panose="020B0502040204020203" pitchFamily="34" charset="0"/>
-              </a:rPr>
-              <a:t>диаграмма использования</a:t>
+              <a:rPr lang="ru-RU"/>
+              <a:t>и стадии</a:t>
             </a:r>
           </a:p>
         </p:txBody>
       </p:sp>
       <p:sp>
         <p:nvSpPr>
-          <p:cNvPr id="7" name="Овал 6">
-            <a:extLst>
-              <a:ext uri="{FF2B5EF4-FFF2-40B4-BE49-F238E27FC236}">
-                <a16:creationId xmlns:a16="http://schemas.microsoft.com/office/drawing/2014/main" id="{F2242A95-DF7E-4F93-9F1C-AF0F1E008707}"/>
-              </a:ext>
-            </a:extLst>
-          </p:cNvPr>
-          <p:cNvSpPr/>
-          <p:nvPr/>
-        </p:nvSpPr>
-        <p:spPr>
-          <a:xfrm>
-            <a:off x="173255" y="660391"/>
-            <a:ext cx="203209" cy="203209"/>
-          </a:xfrm>
-          <a:prstGeom prst="ellipse">
-            <a:avLst/>
-          </a:prstGeom>
-          <a:solidFill>
-            <a:schemeClr val="tx1">
-              <a:lumMod val="85000"/>
-              <a:lumOff val="15000"/>
-            </a:schemeClr>
-          </a:solidFill>
-          <a:ln w="57150">
-            <a:solidFill>
-              <a:schemeClr val="bg1"/>
-            </a:solidFill>
-          </a:ln>
-        </p:spPr>
-        <p:style>
-          <a:lnRef idx="2">
-            <a:schemeClr val="accent1">
-              <a:shade val="50000"/>
-            </a:schemeClr>
-          </a:lnRef>
-          <a:fillRef idx="1">
-            <a:schemeClr val="accent1"/>
-          </a:fillRef>
-          <a:effectRef idx="0">
-            <a:schemeClr val="accent1"/>
-          </a:effectRef>
-          <a:fontRef idx="minor">
-            <a:schemeClr val="lt1"/>
-          </a:fontRef>
-        </p:style>
-        <p:txBody>
-          <a:bodyPr rtlCol="0" anchor="ctr"/>
-          <a:lstStyle/>
-          <a:p>
-            <a:pPr algn="ctr"/>
+          <p:cNvPr id="3" name="Объект 2">
+            <a:extLst>
+              <a:ext uri="{FF2B5EF4-FFF2-40B4-BE49-F238E27FC236}">
+                <a16:creationId xmlns:a16="http://schemas.microsoft.com/office/drawing/2014/main" id="{1487192F-79A2-4753-A899-2BEDFD30B079}"/>
+              </a:ext>
+            </a:extLst>
+          </p:cNvPr>
+          <p:cNvSpPr>
+            <a:spLocks noGrp="1"/>
+          </p:cNvSpPr>
+          <p:nvPr>
+            <p:ph idx="1"/>
+          </p:nvPr>
+        </p:nvSpPr>
+        <p:spPr/>
+        <p:txBody>
+          <a:bodyPr/>
+          <a:lstStyle/>
+          <a:p>
             <a:endParaRPr lang="ru-RU"/>
           </a:p>
         </p:txBody>
       </p:sp>
-      <p:cxnSp>
-        <p:nvCxnSpPr>
-          <p:cNvPr id="8" name="Прямая соединительная линия 7">
-            <a:extLst>
-              <a:ext uri="{FF2B5EF4-FFF2-40B4-BE49-F238E27FC236}">
-                <a16:creationId xmlns:a16="http://schemas.microsoft.com/office/drawing/2014/main" id="{2B147433-66CE-41AE-936A-04599C246104}"/>
-              </a:ext>
-            </a:extLst>
-          </p:cNvPr>
-          <p:cNvCxnSpPr>
-            <a:cxnSpLocks/>
-            <a:stCxn id="7" idx="4"/>
-          </p:cNvCxnSpPr>
-          <p:nvPr/>
-        </p:nvCxnSpPr>
-        <p:spPr>
-          <a:xfrm>
-            <a:off x="274860" y="863600"/>
-            <a:ext cx="0" cy="6220594"/>
-          </a:xfrm>
-          <a:prstGeom prst="line">
-            <a:avLst/>
-          </a:prstGeom>
-          <a:ln w="15875">
-            <a:solidFill>
-              <a:schemeClr val="tx1">
-                <a:lumMod val="85000"/>
-                <a:lumOff val="15000"/>
-              </a:schemeClr>
-            </a:solidFill>
-          </a:ln>
-        </p:spPr>
-        <p:style>
-          <a:lnRef idx="1">
-            <a:schemeClr val="accent1"/>
-          </a:lnRef>
-          <a:fillRef idx="0">
-            <a:schemeClr val="accent1"/>
-          </a:fillRef>
-          <a:effectRef idx="0">
-            <a:schemeClr val="accent1"/>
-          </a:effectRef>
-          <a:fontRef idx="minor">
-            <a:schemeClr val="tx1"/>
-          </a:fontRef>
-        </p:style>
-      </p:cxnSp>
-      <p:sp>
-        <p:nvSpPr>
-          <p:cNvPr id="9" name="Овал 8">
-            <a:extLst>
-              <a:ext uri="{FF2B5EF4-FFF2-40B4-BE49-F238E27FC236}">
-                <a16:creationId xmlns:a16="http://schemas.microsoft.com/office/drawing/2014/main" id="{B589F033-389F-4D7A-A8EC-201B881DD7F6}"/>
-              </a:ext>
-            </a:extLst>
-          </p:cNvPr>
-          <p:cNvSpPr/>
-          <p:nvPr/>
-        </p:nvSpPr>
-        <p:spPr>
-          <a:xfrm>
-            <a:off x="173255" y="26373"/>
-            <a:ext cx="203209" cy="203209"/>
-          </a:xfrm>
-          <a:prstGeom prst="ellipse">
-            <a:avLst/>
-          </a:prstGeom>
-          <a:solidFill>
-            <a:schemeClr val="tx1">
-              <a:lumMod val="85000"/>
-              <a:lumOff val="15000"/>
-            </a:schemeClr>
-          </a:solidFill>
-          <a:ln w="57150">
-            <a:solidFill>
-              <a:schemeClr val="bg1"/>
-            </a:solidFill>
-          </a:ln>
-        </p:spPr>
-        <p:style>
-          <a:lnRef idx="2">
-            <a:schemeClr val="accent1">
-              <a:shade val="50000"/>
-            </a:schemeClr>
-          </a:lnRef>
-          <a:fillRef idx="1">
-            <a:schemeClr val="accent1"/>
-          </a:fillRef>
-          <a:effectRef idx="0">
-            <a:schemeClr val="accent1"/>
-          </a:effectRef>
-          <a:fontRef idx="minor">
-            <a:schemeClr val="lt1"/>
-          </a:fontRef>
-        </p:style>
-        <p:txBody>
-          <a:bodyPr rtlCol="0" anchor="ctr"/>
-          <a:lstStyle/>
-          <a:p>
-            <a:pPr algn="ctr"/>
-            <a:endParaRPr lang="ru-RU" dirty="0"/>
-          </a:p>
-        </p:txBody>
-      </p:sp>
-      <p:cxnSp>
-        <p:nvCxnSpPr>
-          <p:cNvPr id="10" name="Прямая соединительная линия 9">
-            <a:extLst>
-              <a:ext uri="{FF2B5EF4-FFF2-40B4-BE49-F238E27FC236}">
-                <a16:creationId xmlns:a16="http://schemas.microsoft.com/office/drawing/2014/main" id="{C7EECB78-013D-43F9-9DEB-077C2FDECA1A}"/>
-              </a:ext>
-            </a:extLst>
-          </p:cNvPr>
-          <p:cNvCxnSpPr>
-            <a:stCxn id="9" idx="0"/>
-          </p:cNvCxnSpPr>
-          <p:nvPr/>
-        </p:nvCxnSpPr>
-        <p:spPr>
-          <a:xfrm flipH="1" flipV="1">
-            <a:off x="274859" y="-163629"/>
-            <a:ext cx="1" cy="190002"/>
-          </a:xfrm>
-          <a:prstGeom prst="line">
-            <a:avLst/>
-          </a:prstGeom>
-          <a:ln w="15875">
-            <a:solidFill>
-              <a:schemeClr val="tx1">
-                <a:lumMod val="85000"/>
-                <a:lumOff val="15000"/>
-              </a:schemeClr>
-            </a:solidFill>
-          </a:ln>
-        </p:spPr>
-        <p:style>
-          <a:lnRef idx="1">
-            <a:schemeClr val="accent1"/>
-          </a:lnRef>
-          <a:fillRef idx="0">
-            <a:schemeClr val="accent1"/>
-          </a:fillRef>
-          <a:effectRef idx="0">
-            <a:schemeClr val="accent1"/>
-          </a:effectRef>
-          <a:fontRef idx="minor">
-            <a:schemeClr val="tx1"/>
-          </a:fontRef>
-        </p:style>
-      </p:cxnSp>
     </p:spTree>
     <p:extLst>
       <p:ext uri="{BB962C8B-B14F-4D97-AF65-F5344CB8AC3E}">
-        <p14:creationId xmlns:p14="http://schemas.microsoft.com/office/powerpoint/2010/main" val="2191674248"/>
+        <p14:creationId xmlns:p14="http://schemas.microsoft.com/office/powerpoint/2010/main" val="836122553"/>
       </p:ext>
     </p:extLst>
   </p:cSld>
@@ -15411,10 +15600,10 @@
       </p:grpSpPr>
       <p:pic>
         <p:nvPicPr>
-          <p:cNvPr id="4" name="Рисунок 3">
-            <a:extLst>
-              <a:ext uri="{FF2B5EF4-FFF2-40B4-BE49-F238E27FC236}">
-                <a16:creationId xmlns:a16="http://schemas.microsoft.com/office/drawing/2014/main" id="{24EF6857-54F6-43DE-8C56-7C87D42DAB75}"/>
+          <p:cNvPr id="2" name="Рисунок 1">
+            <a:extLst>
+              <a:ext uri="{FF2B5EF4-FFF2-40B4-BE49-F238E27FC236}">
+                <a16:creationId xmlns:a16="http://schemas.microsoft.com/office/drawing/2014/main" id="{D30482BC-184D-42CA-A22F-F44BD2F1ACFB}"/>
               </a:ext>
             </a:extLst>
           </p:cNvPr>
@@ -15431,8 +15620,8 @@
         </p:blipFill>
         <p:spPr>
           <a:xfrm>
-            <a:off x="-127520" y="0"/>
-            <a:ext cx="12146265" cy="6858000"/>
+            <a:off x="0" y="808428"/>
+            <a:ext cx="12192000" cy="6141348"/>
           </a:xfrm>
           <a:prstGeom prst="rect">
             <a:avLst/>
@@ -15454,7 +15643,7 @@
         <p:spPr>
           <a:xfrm>
             <a:off x="-113211" y="156754"/>
-            <a:ext cx="3814354" cy="566057"/>
+            <a:ext cx="3474720" cy="566057"/>
           </a:xfrm>
           <a:prstGeom prst="roundRect">
             <a:avLst/>
@@ -15503,7 +15692,7 @@
         <p:spPr>
           <a:xfrm>
             <a:off x="0" y="205974"/>
-            <a:ext cx="3701143" cy="461665"/>
+            <a:ext cx="3300549" cy="461665"/>
           </a:xfrm>
           <a:prstGeom prst="rect">
             <a:avLst/>
@@ -15536,8 +15725,27 @@
                 </a:solidFill>
                 <a:latin typeface="Bahnschrift SemiBold" panose="020B0502040204020203" pitchFamily="34" charset="0"/>
               </a:rPr>
-              <a:t>диаграмма классов</a:t>
+              <a:t>диаграмма </a:t>
             </a:r>
+            <a:r>
+              <a:rPr lang="ru-RU" sz="2400" dirty="0" err="1">
+                <a:solidFill>
+                  <a:schemeClr val="bg1">
+                    <a:lumMod val="95000"/>
+                  </a:schemeClr>
+                </a:solidFill>
+                <a:latin typeface="Bahnschrift SemiBold" panose="020B0502040204020203" pitchFamily="34" charset="0"/>
+              </a:rPr>
+              <a:t>Ганта</a:t>
+            </a:r>
+            <a:endParaRPr lang="ru-RU" sz="2400" dirty="0">
+              <a:solidFill>
+                <a:schemeClr val="bg1">
+                  <a:lumMod val="95000"/>
+                </a:schemeClr>
+              </a:solidFill>
+              <a:latin typeface="Bahnschrift SemiBold" panose="020B0502040204020203" pitchFamily="34" charset="0"/>
+            </a:endParaRPr>
           </a:p>
         </p:txBody>
       </p:sp>
@@ -15751,7 +15959,7 @@
     </p:spTree>
     <p:extLst>
       <p:ext uri="{BB962C8B-B14F-4D97-AF65-F5344CB8AC3E}">
-        <p14:creationId xmlns:p14="http://schemas.microsoft.com/office/powerpoint/2010/main" val="3513973005"/>
+        <p14:creationId xmlns:p14="http://schemas.microsoft.com/office/powerpoint/2010/main" val="2342878483"/>
       </p:ext>
     </p:extLst>
   </p:cSld>
@@ -15778,6 +15986,41 @@
           <a:chExt cx="0" cy="0"/>
         </a:xfrm>
       </p:grpSpPr>
+      <p:pic>
+        <p:nvPicPr>
+          <p:cNvPr id="12" name="Рисунок 11">
+            <a:extLst>
+              <a:ext uri="{FF2B5EF4-FFF2-40B4-BE49-F238E27FC236}">
+                <a16:creationId xmlns:a16="http://schemas.microsoft.com/office/drawing/2014/main" id="{8B08ADC8-6353-44E9-93F9-AEB0E6AB5648}"/>
+              </a:ext>
+            </a:extLst>
+          </p:cNvPr>
+          <p:cNvPicPr>
+            <a:picLocks noChangeAspect="1"/>
+          </p:cNvPicPr>
+          <p:nvPr/>
+        </p:nvPicPr>
+        <p:blipFill rotWithShape="1">
+          <a:blip r:embed="rId2">
+            <a:extLst>
+              <a:ext uri="{28A0092B-C50C-407E-A947-70E740481C1C}">
+                <a14:useLocalDpi xmlns:a14="http://schemas.microsoft.com/office/drawing/2010/main" val="0"/>
+              </a:ext>
+            </a:extLst>
+          </a:blip>
+          <a:srcRect l="800" t="1396" r="587" b="1334"/>
+          <a:stretch/>
+        </p:blipFill>
+        <p:spPr>
+          <a:xfrm>
+            <a:off x="376464" y="156754"/>
+            <a:ext cx="11695611" cy="6670766"/>
+          </a:xfrm>
+          <a:prstGeom prst="rect">
+            <a:avLst/>
+          </a:prstGeom>
+        </p:spPr>
+      </p:pic>
       <p:sp>
         <p:nvSpPr>
           <p:cNvPr id="5" name="Rectangle: Rounded Corners 3">
@@ -15793,7 +16036,7 @@
         <p:spPr>
           <a:xfrm>
             <a:off x="-113212" y="156754"/>
-            <a:ext cx="4711325" cy="566057"/>
+            <a:ext cx="4893229" cy="566057"/>
           </a:xfrm>
           <a:prstGeom prst="roundRect">
             <a:avLst/>
@@ -15842,7 +16085,7 @@
         <p:spPr>
           <a:xfrm>
             <a:off x="0" y="205974"/>
-            <a:ext cx="4711337" cy="461665"/>
+            <a:ext cx="4780029" cy="461665"/>
           </a:xfrm>
           <a:prstGeom prst="rect">
             <a:avLst/>
@@ -15875,7 +16118,7 @@
                 </a:solidFill>
                 <a:latin typeface="Bahnschrift SemiBold" panose="020B0502040204020203" pitchFamily="34" charset="0"/>
               </a:rPr>
-              <a:t>диаграмма деятельности</a:t>
+              <a:t>диаграмма использования</a:t>
             </a:r>
           </a:p>
         </p:txBody>
@@ -16087,165 +16330,10 @@
           </a:fontRef>
         </p:style>
       </p:cxnSp>
-      <p:pic>
-        <p:nvPicPr>
-          <p:cNvPr id="3" name="Рисунок 2">
-            <a:extLst>
-              <a:ext uri="{FF2B5EF4-FFF2-40B4-BE49-F238E27FC236}">
-                <a16:creationId xmlns:a16="http://schemas.microsoft.com/office/drawing/2014/main" id="{2EB9FE60-F4E2-4F2E-AEFD-B6275283D0B9}"/>
-              </a:ext>
-            </a:extLst>
-          </p:cNvPr>
-          <p:cNvPicPr>
-            <a:picLocks noChangeAspect="1"/>
-          </p:cNvPicPr>
-          <p:nvPr/>
-        </p:nvPicPr>
-        <p:blipFill rotWithShape="1">
-          <a:blip r:embed="rId2">
-            <a:extLst>
-              <a:ext uri="{28A0092B-C50C-407E-A947-70E740481C1C}">
-                <a14:useLocalDpi xmlns:a14="http://schemas.microsoft.com/office/drawing/2010/main" val="0"/>
-              </a:ext>
-            </a:extLst>
-          </a:blip>
-          <a:srcRect b="38640"/>
-          <a:stretch/>
-        </p:blipFill>
-        <p:spPr>
-          <a:xfrm>
-            <a:off x="2610792" y="761996"/>
-            <a:ext cx="6970416" cy="6220594"/>
-          </a:xfrm>
-          <a:prstGeom prst="rect">
-            <a:avLst/>
-          </a:prstGeom>
-        </p:spPr>
-      </p:pic>
-      <p:cxnSp>
-        <p:nvCxnSpPr>
-          <p:cNvPr id="11" name="Прямая соединительная линия 10">
-            <a:extLst>
-              <a:ext uri="{FF2B5EF4-FFF2-40B4-BE49-F238E27FC236}">
-                <a16:creationId xmlns:a16="http://schemas.microsoft.com/office/drawing/2014/main" id="{935D63A1-77AA-4F48-922A-36DA3269B45E}"/>
-              </a:ext>
-            </a:extLst>
-          </p:cNvPr>
-          <p:cNvCxnSpPr>
-            <a:cxnSpLocks/>
-          </p:cNvCxnSpPr>
-          <p:nvPr/>
-        </p:nvCxnSpPr>
-        <p:spPr>
-          <a:xfrm>
-            <a:off x="2427933" y="6668317"/>
-            <a:ext cx="7439967" cy="0"/>
-          </a:xfrm>
-          <a:prstGeom prst="line">
-            <a:avLst/>
-          </a:prstGeom>
-          <a:ln w="50800" cap="rnd">
-            <a:solidFill>
-              <a:schemeClr val="tx1">
-                <a:lumMod val="85000"/>
-                <a:lumOff val="15000"/>
-              </a:schemeClr>
-            </a:solidFill>
-            <a:prstDash val="sysDot"/>
-            <a:round/>
-          </a:ln>
-        </p:spPr>
-        <p:style>
-          <a:lnRef idx="1">
-            <a:schemeClr val="accent1"/>
-          </a:lnRef>
-          <a:fillRef idx="0">
-            <a:schemeClr val="accent1"/>
-          </a:fillRef>
-          <a:effectRef idx="0">
-            <a:schemeClr val="accent1"/>
-          </a:effectRef>
-          <a:fontRef idx="minor">
-            <a:schemeClr val="tx1"/>
-          </a:fontRef>
-        </p:style>
-      </p:cxnSp>
-      <p:sp>
-        <p:nvSpPr>
-          <p:cNvPr id="14" name="Прямоугольник: скругленные углы 13">
-            <a:extLst>
-              <a:ext uri="{FF2B5EF4-FFF2-40B4-BE49-F238E27FC236}">
-                <a16:creationId xmlns:a16="http://schemas.microsoft.com/office/drawing/2014/main" id="{9B52398A-3224-4D34-B7A0-4072CA7C4144}"/>
-              </a:ext>
-            </a:extLst>
-          </p:cNvPr>
-          <p:cNvSpPr/>
-          <p:nvPr/>
-        </p:nvSpPr>
-        <p:spPr>
-          <a:xfrm>
-            <a:off x="2512542" y="6701246"/>
-            <a:ext cx="7270748" cy="1809244"/>
-          </a:xfrm>
-          <a:prstGeom prst="roundRect">
-            <a:avLst>
-              <a:gd name="adj" fmla="val 9823"/>
-            </a:avLst>
-          </a:prstGeom>
-          <a:gradFill>
-            <a:gsLst>
-              <a:gs pos="0">
-                <a:srgbClr val="9AB3DF">
-                  <a:alpha val="0"/>
-                </a:srgbClr>
-              </a:gs>
-              <a:gs pos="29000">
-                <a:srgbClr val="9AB3DF">
-                  <a:alpha val="47000"/>
-                </a:srgbClr>
-              </a:gs>
-              <a:gs pos="100000">
-                <a:schemeClr val="accent1">
-                  <a:lumMod val="100000"/>
-                  <a:alpha val="54000"/>
-                </a:schemeClr>
-              </a:gs>
-            </a:gsLst>
-            <a:lin ang="16740000" scaled="0"/>
-          </a:gradFill>
-          <a:ln>
-            <a:noFill/>
-          </a:ln>
-        </p:spPr>
-        <p:style>
-          <a:lnRef idx="2">
-            <a:schemeClr val="accent1">
-              <a:shade val="50000"/>
-            </a:schemeClr>
-          </a:lnRef>
-          <a:fillRef idx="1">
-            <a:schemeClr val="accent1"/>
-          </a:fillRef>
-          <a:effectRef idx="0">
-            <a:schemeClr val="accent1"/>
-          </a:effectRef>
-          <a:fontRef idx="minor">
-            <a:schemeClr val="lt1"/>
-          </a:fontRef>
-        </p:style>
-        <p:txBody>
-          <a:bodyPr rtlCol="0" anchor="ctr"/>
-          <a:lstStyle/>
-          <a:p>
-            <a:pPr algn="ctr"/>
-            <a:endParaRPr lang="ru-RU"/>
-          </a:p>
-        </p:txBody>
-      </p:sp>
     </p:spTree>
     <p:extLst>
       <p:ext uri="{BB962C8B-B14F-4D97-AF65-F5344CB8AC3E}">
-        <p14:creationId xmlns:p14="http://schemas.microsoft.com/office/powerpoint/2010/main" val="40513110"/>
+        <p14:creationId xmlns:p14="http://schemas.microsoft.com/office/powerpoint/2010/main" val="2191674248"/>
       </p:ext>
     </p:extLst>
   </p:cSld>
